--- a/document/react.pptx
+++ b/document/react.pptx
@@ -1,123 +1,28 @@
 
 <file path=ppt/presentation.xml><?xml version="1.0" encoding="utf-8"?>
-<p:presentation xmlns:a="http://schemas.openxmlformats.org/drawingml/2006/main" xmlns:r="http://schemas.openxmlformats.org/officeDocument/2006/relationships" xmlns:p="http://schemas.openxmlformats.org/presentationml/2006/main">
+<p:presentation xmlns:a="http://schemas.openxmlformats.org/drawingml/2006/main" xmlns:p="http://schemas.openxmlformats.org/presentationml/2006/main" xmlns:r="http://schemas.openxmlformats.org/officeDocument/2006/relationships">
   <p:sldMasterIdLst>
-    <p:sldMasterId id="2147483648" r:id="rId1"/>
+    <p:sldMasterId id="2147483648" r:id="rId2"/>
   </p:sldMasterIdLst>
   <p:sldIdLst>
-    <p:sldId id="256" r:id="rId2"/>
-    <p:sldId id="257" r:id="rId3"/>
-    <p:sldId id="258" r:id="rId4"/>
-    <p:sldId id="259" r:id="rId5"/>
-    <p:sldId id="260" r:id="rId6"/>
-    <p:sldId id="261" r:id="rId7"/>
-    <p:sldId id="262" r:id="rId8"/>
-    <p:sldId id="263" r:id="rId9"/>
-    <p:sldId id="264" r:id="rId10"/>
-    <p:sldId id="265" r:id="rId11"/>
+    <p:sldId id="256" r:id="rId3"/>
+    <p:sldId id="257" r:id="rId4"/>
+    <p:sldId id="258" r:id="rId5"/>
+    <p:sldId id="259" r:id="rId6"/>
+    <p:sldId id="260" r:id="rId7"/>
+    <p:sldId id="261" r:id="rId8"/>
+    <p:sldId id="262" r:id="rId9"/>
+    <p:sldId id="263" r:id="rId10"/>
+    <p:sldId id="264" r:id="rId11"/>
+    <p:sldId id="265" r:id="rId12"/>
   </p:sldIdLst>
   <p:sldSz cx="10080625" cy="7559675"/>
-  <p:notesSz cx="7772400" cy="10058400"/>
-  <p:defaultTextStyle>
-    <a:defPPr>
-      <a:defRPr lang="en-US"/>
-    </a:defPPr>
-    <a:lvl1pPr marL="0" algn="l" defTabSz="914400" rtl="0" eaLnBrk="1" latinLnBrk="0" hangingPunct="1">
-      <a:defRPr sz="1800" kern="1200">
-        <a:solidFill>
-          <a:schemeClr val="tx1"/>
-        </a:solidFill>
-        <a:latin typeface="+mn-lt"/>
-        <a:ea typeface="+mn-ea"/>
-        <a:cs typeface="+mn-cs"/>
-      </a:defRPr>
-    </a:lvl1pPr>
-    <a:lvl2pPr marL="457200" algn="l" defTabSz="914400" rtl="0" eaLnBrk="1" latinLnBrk="0" hangingPunct="1">
-      <a:defRPr sz="1800" kern="1200">
-        <a:solidFill>
-          <a:schemeClr val="tx1"/>
-        </a:solidFill>
-        <a:latin typeface="+mn-lt"/>
-        <a:ea typeface="+mn-ea"/>
-        <a:cs typeface="+mn-cs"/>
-      </a:defRPr>
-    </a:lvl2pPr>
-    <a:lvl3pPr marL="914400" algn="l" defTabSz="914400" rtl="0" eaLnBrk="1" latinLnBrk="0" hangingPunct="1">
-      <a:defRPr sz="1800" kern="1200">
-        <a:solidFill>
-          <a:schemeClr val="tx1"/>
-        </a:solidFill>
-        <a:latin typeface="+mn-lt"/>
-        <a:ea typeface="+mn-ea"/>
-        <a:cs typeface="+mn-cs"/>
-      </a:defRPr>
-    </a:lvl3pPr>
-    <a:lvl4pPr marL="1371600" algn="l" defTabSz="914400" rtl="0" eaLnBrk="1" latinLnBrk="0" hangingPunct="1">
-      <a:defRPr sz="1800" kern="1200">
-        <a:solidFill>
-          <a:schemeClr val="tx1"/>
-        </a:solidFill>
-        <a:latin typeface="+mn-lt"/>
-        <a:ea typeface="+mn-ea"/>
-        <a:cs typeface="+mn-cs"/>
-      </a:defRPr>
-    </a:lvl4pPr>
-    <a:lvl5pPr marL="1828800" algn="l" defTabSz="914400" rtl="0" eaLnBrk="1" latinLnBrk="0" hangingPunct="1">
-      <a:defRPr sz="1800" kern="1200">
-        <a:solidFill>
-          <a:schemeClr val="tx1"/>
-        </a:solidFill>
-        <a:latin typeface="+mn-lt"/>
-        <a:ea typeface="+mn-ea"/>
-        <a:cs typeface="+mn-cs"/>
-      </a:defRPr>
-    </a:lvl5pPr>
-    <a:lvl6pPr marL="2286000" algn="l" defTabSz="914400" rtl="0" eaLnBrk="1" latinLnBrk="0" hangingPunct="1">
-      <a:defRPr sz="1800" kern="1200">
-        <a:solidFill>
-          <a:schemeClr val="tx1"/>
-        </a:solidFill>
-        <a:latin typeface="+mn-lt"/>
-        <a:ea typeface="+mn-ea"/>
-        <a:cs typeface="+mn-cs"/>
-      </a:defRPr>
-    </a:lvl6pPr>
-    <a:lvl7pPr marL="2743200" algn="l" defTabSz="914400" rtl="0" eaLnBrk="1" latinLnBrk="0" hangingPunct="1">
-      <a:defRPr sz="1800" kern="1200">
-        <a:solidFill>
-          <a:schemeClr val="tx1"/>
-        </a:solidFill>
-        <a:latin typeface="+mn-lt"/>
-        <a:ea typeface="+mn-ea"/>
-        <a:cs typeface="+mn-cs"/>
-      </a:defRPr>
-    </a:lvl7pPr>
-    <a:lvl8pPr marL="3200400" algn="l" defTabSz="914400" rtl="0" eaLnBrk="1" latinLnBrk="0" hangingPunct="1">
-      <a:defRPr sz="1800" kern="1200">
-        <a:solidFill>
-          <a:schemeClr val="tx1"/>
-        </a:solidFill>
-        <a:latin typeface="+mn-lt"/>
-        <a:ea typeface="+mn-ea"/>
-        <a:cs typeface="+mn-cs"/>
-      </a:defRPr>
-    </a:lvl8pPr>
-    <a:lvl9pPr marL="3657600" algn="l" defTabSz="914400" rtl="0" eaLnBrk="1" latinLnBrk="0" hangingPunct="1">
-      <a:defRPr sz="1800" kern="1200">
-        <a:solidFill>
-          <a:schemeClr val="tx1"/>
-        </a:solidFill>
-        <a:latin typeface="+mn-lt"/>
-        <a:ea typeface="+mn-ea"/>
-        <a:cs typeface="+mn-cs"/>
-      </a:defRPr>
-    </a:lvl9pPr>
-  </p:defaultTextStyle>
+  <p:notesSz cx="7559675" cy="10691812"/>
 </p:presentation>
 </file>
 
 <file path=ppt/slideLayouts/slideLayout1.xml><?xml version="1.0" encoding="utf-8"?>
-<p:sldLayout xmlns:a="http://schemas.openxmlformats.org/drawingml/2006/main" xmlns:r="http://schemas.openxmlformats.org/officeDocument/2006/relationships" xmlns:p="http://schemas.openxmlformats.org/presentationml/2006/main" type="blank" preserve="1">
+<p:sldLayout xmlns:a="http://schemas.openxmlformats.org/drawingml/2006/main" xmlns:p="http://schemas.openxmlformats.org/presentationml/2006/main" xmlns:r="http://schemas.openxmlformats.org/officeDocument/2006/relationships" type="blank" preserve="1">
   <p:cSld name="Blank Slide">
     <p:spTree>
       <p:nvGrpSpPr>
@@ -135,14 +40,11 @@
       </p:grpSpPr>
     </p:spTree>
   </p:cSld>
-  <p:clrMapOvr>
-    <a:masterClrMapping/>
-  </p:clrMapOvr>
 </p:sldLayout>
 </file>
 
 <file path=ppt/slideLayouts/slideLayout10.xml><?xml version="1.0" encoding="utf-8"?>
-<p:sldLayout xmlns:a="http://schemas.openxmlformats.org/drawingml/2006/main" xmlns:r="http://schemas.openxmlformats.org/officeDocument/2006/relationships" xmlns:p="http://schemas.openxmlformats.org/presentationml/2006/main" type="objOverTx" preserve="1">
+<p:sldLayout xmlns:a="http://schemas.openxmlformats.org/drawingml/2006/main" xmlns:p="http://schemas.openxmlformats.org/presentationml/2006/main" xmlns:r="http://schemas.openxmlformats.org/officeDocument/2006/relationships" type="objOverTx" preserve="1">
   <p:cSld name="Title, Content over Content">
     <p:spTree>
       <p:nvGrpSpPr>
@@ -160,7 +62,7 @@
       </p:grpSpPr>
       <p:sp>
         <p:nvSpPr>
-          <p:cNvPr id="26" name="PlaceHolder 1"/>
+          <p:cNvPr id="23" name="PlaceHolder 1"/>
           <p:cNvSpPr>
             <a:spLocks noGrp="1"/>
           </p:cNvSpPr>
@@ -171,24 +73,22 @@
         <p:spPr>
           <a:xfrm>
             <a:off x="504000" y="301320"/>
-            <a:ext cx="9071640" cy="1262520"/>
-          </a:xfrm>
-          <a:prstGeom prst="rect">
-            <a:avLst/>
-          </a:prstGeom>
-        </p:spPr>
-        <p:txBody>
-          <a:bodyPr lIns="0" tIns="0" rIns="0" bIns="0" anchor="ctr"/>
-          <a:lstStyle/>
-          <a:p>
-            <a:pPr algn="ctr"/>
-            <a:endParaRPr/>
-          </a:p>
-        </p:txBody>
-      </p:sp>
-      <p:sp>
-        <p:nvSpPr>
-          <p:cNvPr id="27" name="PlaceHolder 2"/>
+            <a:ext cx="9071280" cy="1262520"/>
+          </a:xfrm>
+          <a:prstGeom prst="rect">
+            <a:avLst/>
+          </a:prstGeom>
+        </p:spPr>
+        <p:txBody>
+          <a:bodyPr lIns="0" rIns="0" tIns="0" bIns="0" anchor="ctr"/>
+          <a:p>
+            <a:endParaRPr/>
+          </a:p>
+        </p:txBody>
+      </p:sp>
+      <p:sp>
+        <p:nvSpPr>
+          <p:cNvPr id="24" name="PlaceHolder 2"/>
           <p:cNvSpPr>
             <a:spLocks noGrp="1"/>
           </p:cNvSpPr>
@@ -199,23 +99,22 @@
         <p:spPr>
           <a:xfrm>
             <a:off x="504000" y="1769040"/>
-            <a:ext cx="9071640" cy="2091240"/>
-          </a:xfrm>
-          <a:prstGeom prst="rect">
-            <a:avLst/>
-          </a:prstGeom>
-        </p:spPr>
-        <p:txBody>
-          <a:bodyPr lIns="0" tIns="0" rIns="0" bIns="0"/>
-          <a:lstStyle/>
-          <a:p>
-            <a:endParaRPr/>
-          </a:p>
-        </p:txBody>
-      </p:sp>
-      <p:sp>
-        <p:nvSpPr>
-          <p:cNvPr id="28" name="PlaceHolder 3"/>
+            <a:ext cx="9071280" cy="2090880"/>
+          </a:xfrm>
+          <a:prstGeom prst="rect">
+            <a:avLst/>
+          </a:prstGeom>
+        </p:spPr>
+        <p:txBody>
+          <a:bodyPr lIns="0" rIns="0" tIns="0" bIns="0"/>
+          <a:p>
+            <a:endParaRPr/>
+          </a:p>
+        </p:txBody>
+      </p:sp>
+      <p:sp>
+        <p:nvSpPr>
+          <p:cNvPr id="25" name="PlaceHolder 3"/>
           <p:cNvSpPr>
             <a:spLocks noGrp="1"/>
           </p:cNvSpPr>
@@ -225,16 +124,15 @@
         </p:nvSpPr>
         <p:spPr>
           <a:xfrm>
-            <a:off x="504000" y="4059360"/>
-            <a:ext cx="9071640" cy="2091240"/>
-          </a:xfrm>
-          <a:prstGeom prst="rect">
-            <a:avLst/>
-          </a:prstGeom>
-        </p:spPr>
-        <p:txBody>
-          <a:bodyPr lIns="0" tIns="0" rIns="0" bIns="0"/>
-          <a:lstStyle/>
+            <a:off x="504000" y="4059000"/>
+            <a:ext cx="9071280" cy="2090880"/>
+          </a:xfrm>
+          <a:prstGeom prst="rect">
+            <a:avLst/>
+          </a:prstGeom>
+        </p:spPr>
+        <p:txBody>
+          <a:bodyPr lIns="0" rIns="0" tIns="0" bIns="0"/>
           <a:p>
             <a:endParaRPr/>
           </a:p>
@@ -242,14 +140,11 @@
       </p:sp>
     </p:spTree>
   </p:cSld>
-  <p:clrMapOvr>
-    <a:masterClrMapping/>
-  </p:clrMapOvr>
 </p:sldLayout>
 </file>
 
 <file path=ppt/slideLayouts/slideLayout11.xml><?xml version="1.0" encoding="utf-8"?>
-<p:sldLayout xmlns:a="http://schemas.openxmlformats.org/drawingml/2006/main" xmlns:r="http://schemas.openxmlformats.org/officeDocument/2006/relationships" xmlns:p="http://schemas.openxmlformats.org/presentationml/2006/main" type="fourObj" preserve="1">
+<p:sldLayout xmlns:a="http://schemas.openxmlformats.org/drawingml/2006/main" xmlns:p="http://schemas.openxmlformats.org/presentationml/2006/main" xmlns:r="http://schemas.openxmlformats.org/officeDocument/2006/relationships" type="fourObj" preserve="1">
   <p:cSld name="Title, 4 Content">
     <p:spTree>
       <p:nvGrpSpPr>
@@ -267,7 +162,7 @@
       </p:grpSpPr>
       <p:sp>
         <p:nvSpPr>
-          <p:cNvPr id="29" name="PlaceHolder 1"/>
+          <p:cNvPr id="26" name="PlaceHolder 1"/>
           <p:cNvSpPr>
             <a:spLocks noGrp="1"/>
           </p:cNvSpPr>
@@ -278,24 +173,22 @@
         <p:spPr>
           <a:xfrm>
             <a:off x="504000" y="301320"/>
-            <a:ext cx="9071640" cy="1262520"/>
-          </a:xfrm>
-          <a:prstGeom prst="rect">
-            <a:avLst/>
-          </a:prstGeom>
-        </p:spPr>
-        <p:txBody>
-          <a:bodyPr lIns="0" tIns="0" rIns="0" bIns="0" anchor="ctr"/>
-          <a:lstStyle/>
-          <a:p>
-            <a:pPr algn="ctr"/>
-            <a:endParaRPr/>
-          </a:p>
-        </p:txBody>
-      </p:sp>
-      <p:sp>
-        <p:nvSpPr>
-          <p:cNvPr id="30" name="PlaceHolder 2"/>
+            <a:ext cx="9071280" cy="1262520"/>
+          </a:xfrm>
+          <a:prstGeom prst="rect">
+            <a:avLst/>
+          </a:prstGeom>
+        </p:spPr>
+        <p:txBody>
+          <a:bodyPr lIns="0" rIns="0" tIns="0" bIns="0" anchor="ctr"/>
+          <a:p>
+            <a:endParaRPr/>
+          </a:p>
+        </p:txBody>
+      </p:sp>
+      <p:sp>
+        <p:nvSpPr>
+          <p:cNvPr id="27" name="PlaceHolder 2"/>
           <p:cNvSpPr>
             <a:spLocks noGrp="1"/>
           </p:cNvSpPr>
@@ -306,23 +199,22 @@
         <p:spPr>
           <a:xfrm>
             <a:off x="504000" y="1769040"/>
-            <a:ext cx="4426920" cy="2091240"/>
-          </a:xfrm>
-          <a:prstGeom prst="rect">
-            <a:avLst/>
-          </a:prstGeom>
-        </p:spPr>
-        <p:txBody>
-          <a:bodyPr lIns="0" tIns="0" rIns="0" bIns="0"/>
-          <a:lstStyle/>
-          <a:p>
-            <a:endParaRPr/>
-          </a:p>
-        </p:txBody>
-      </p:sp>
-      <p:sp>
-        <p:nvSpPr>
-          <p:cNvPr id="31" name="PlaceHolder 3"/>
+            <a:ext cx="4426560" cy="2090880"/>
+          </a:xfrm>
+          <a:prstGeom prst="rect">
+            <a:avLst/>
+          </a:prstGeom>
+        </p:spPr>
+        <p:txBody>
+          <a:bodyPr lIns="0" rIns="0" tIns="0" bIns="0"/>
+          <a:p>
+            <a:endParaRPr/>
+          </a:p>
+        </p:txBody>
+      </p:sp>
+      <p:sp>
+        <p:nvSpPr>
+          <p:cNvPr id="28" name="PlaceHolder 3"/>
           <p:cNvSpPr>
             <a:spLocks noGrp="1"/>
           </p:cNvSpPr>
@@ -332,24 +224,23 @@
         </p:nvSpPr>
         <p:spPr>
           <a:xfrm>
-            <a:off x="5152680" y="1769040"/>
-            <a:ext cx="4426920" cy="2091240"/>
-          </a:xfrm>
-          <a:prstGeom prst="rect">
-            <a:avLst/>
-          </a:prstGeom>
-        </p:spPr>
-        <p:txBody>
-          <a:bodyPr lIns="0" tIns="0" rIns="0" bIns="0"/>
-          <a:lstStyle/>
-          <a:p>
-            <a:endParaRPr/>
-          </a:p>
-        </p:txBody>
-      </p:sp>
-      <p:sp>
-        <p:nvSpPr>
-          <p:cNvPr id="32" name="PlaceHolder 4"/>
+            <a:off x="5152320" y="1769040"/>
+            <a:ext cx="4426560" cy="2090880"/>
+          </a:xfrm>
+          <a:prstGeom prst="rect">
+            <a:avLst/>
+          </a:prstGeom>
+        </p:spPr>
+        <p:txBody>
+          <a:bodyPr lIns="0" rIns="0" tIns="0" bIns="0"/>
+          <a:p>
+            <a:endParaRPr/>
+          </a:p>
+        </p:txBody>
+      </p:sp>
+      <p:sp>
+        <p:nvSpPr>
+          <p:cNvPr id="29" name="PlaceHolder 4"/>
           <p:cNvSpPr>
             <a:spLocks noGrp="1"/>
           </p:cNvSpPr>
@@ -359,24 +250,23 @@
         </p:nvSpPr>
         <p:spPr>
           <a:xfrm>
-            <a:off x="5152680" y="4059360"/>
-            <a:ext cx="4426920" cy="2091240"/>
-          </a:xfrm>
-          <a:prstGeom prst="rect">
-            <a:avLst/>
-          </a:prstGeom>
-        </p:spPr>
-        <p:txBody>
-          <a:bodyPr lIns="0" tIns="0" rIns="0" bIns="0"/>
-          <a:lstStyle/>
-          <a:p>
-            <a:endParaRPr/>
-          </a:p>
-        </p:txBody>
-      </p:sp>
-      <p:sp>
-        <p:nvSpPr>
-          <p:cNvPr id="33" name="PlaceHolder 5"/>
+            <a:off x="5152320" y="4059000"/>
+            <a:ext cx="4426560" cy="2090880"/>
+          </a:xfrm>
+          <a:prstGeom prst="rect">
+            <a:avLst/>
+          </a:prstGeom>
+        </p:spPr>
+        <p:txBody>
+          <a:bodyPr lIns="0" rIns="0" tIns="0" bIns="0"/>
+          <a:p>
+            <a:endParaRPr/>
+          </a:p>
+        </p:txBody>
+      </p:sp>
+      <p:sp>
+        <p:nvSpPr>
+          <p:cNvPr id="30" name="PlaceHolder 5"/>
           <p:cNvSpPr>
             <a:spLocks noGrp="1"/>
           </p:cNvSpPr>
@@ -386,16 +276,15 @@
         </p:nvSpPr>
         <p:spPr>
           <a:xfrm>
-            <a:off x="504000" y="4059360"/>
-            <a:ext cx="4426920" cy="2091240"/>
-          </a:xfrm>
-          <a:prstGeom prst="rect">
-            <a:avLst/>
-          </a:prstGeom>
-        </p:spPr>
-        <p:txBody>
-          <a:bodyPr lIns="0" tIns="0" rIns="0" bIns="0"/>
-          <a:lstStyle/>
+            <a:off x="504000" y="4059000"/>
+            <a:ext cx="4426560" cy="2090880"/>
+          </a:xfrm>
+          <a:prstGeom prst="rect">
+            <a:avLst/>
+          </a:prstGeom>
+        </p:spPr>
+        <p:txBody>
+          <a:bodyPr lIns="0" rIns="0" tIns="0" bIns="0"/>
           <a:p>
             <a:endParaRPr/>
           </a:p>
@@ -403,14 +292,11 @@
       </p:sp>
     </p:spTree>
   </p:cSld>
-  <p:clrMapOvr>
-    <a:masterClrMapping/>
-  </p:clrMapOvr>
 </p:sldLayout>
 </file>
 
 <file path=ppt/slideLayouts/slideLayout12.xml><?xml version="1.0" encoding="utf-8"?>
-<p:sldLayout xmlns:a="http://schemas.openxmlformats.org/drawingml/2006/main" xmlns:r="http://schemas.openxmlformats.org/officeDocument/2006/relationships" xmlns:p="http://schemas.openxmlformats.org/presentationml/2006/main" type="blank" preserve="1">
+<p:sldLayout xmlns:a="http://schemas.openxmlformats.org/drawingml/2006/main" xmlns:p="http://schemas.openxmlformats.org/presentationml/2006/main" xmlns:r="http://schemas.openxmlformats.org/officeDocument/2006/relationships" type="blank" preserve="1">
   <p:cSld name="Title, 6 Content">
     <p:spTree>
       <p:nvGrpSpPr>
@@ -428,7 +314,7 @@
       </p:grpSpPr>
       <p:sp>
         <p:nvSpPr>
-          <p:cNvPr id="34" name="PlaceHolder 1"/>
+          <p:cNvPr id="31" name="PlaceHolder 1"/>
           <p:cNvSpPr>
             <a:spLocks noGrp="1"/>
           </p:cNvSpPr>
@@ -439,24 +325,22 @@
         <p:spPr>
           <a:xfrm>
             <a:off x="504000" y="301320"/>
-            <a:ext cx="9071640" cy="1262520"/>
-          </a:xfrm>
-          <a:prstGeom prst="rect">
-            <a:avLst/>
-          </a:prstGeom>
-        </p:spPr>
-        <p:txBody>
-          <a:bodyPr lIns="0" tIns="0" rIns="0" bIns="0" anchor="ctr"/>
-          <a:lstStyle/>
-          <a:p>
-            <a:pPr algn="ctr"/>
-            <a:endParaRPr/>
-          </a:p>
-        </p:txBody>
-      </p:sp>
-      <p:sp>
-        <p:nvSpPr>
-          <p:cNvPr id="35" name="PlaceHolder 2"/>
+            <a:ext cx="9071280" cy="1262520"/>
+          </a:xfrm>
+          <a:prstGeom prst="rect">
+            <a:avLst/>
+          </a:prstGeom>
+        </p:spPr>
+        <p:txBody>
+          <a:bodyPr lIns="0" rIns="0" tIns="0" bIns="0" anchor="ctr"/>
+          <a:p>
+            <a:endParaRPr/>
+          </a:p>
+        </p:txBody>
+      </p:sp>
+      <p:sp>
+        <p:nvSpPr>
+          <p:cNvPr id="32" name="PlaceHolder 2"/>
           <p:cNvSpPr>
             <a:spLocks noGrp="1"/>
           </p:cNvSpPr>
@@ -467,23 +351,22 @@
         <p:spPr>
           <a:xfrm>
             <a:off x="504000" y="1769040"/>
-            <a:ext cx="9071640" cy="4384440"/>
-          </a:xfrm>
-          <a:prstGeom prst="rect">
-            <a:avLst/>
-          </a:prstGeom>
-        </p:spPr>
-        <p:txBody>
-          <a:bodyPr lIns="0" tIns="0" rIns="0" bIns="0"/>
-          <a:lstStyle/>
-          <a:p>
-            <a:endParaRPr/>
-          </a:p>
-        </p:txBody>
-      </p:sp>
-      <p:sp>
-        <p:nvSpPr>
-          <p:cNvPr id="36" name="PlaceHolder 3"/>
+            <a:ext cx="9071280" cy="4384080"/>
+          </a:xfrm>
+          <a:prstGeom prst="rect">
+            <a:avLst/>
+          </a:prstGeom>
+        </p:spPr>
+        <p:txBody>
+          <a:bodyPr lIns="0" rIns="0" tIns="0" bIns="0"/>
+          <a:p>
+            <a:endParaRPr/>
+          </a:p>
+        </p:txBody>
+      </p:sp>
+      <p:sp>
+        <p:nvSpPr>
+          <p:cNvPr id="33" name="PlaceHolder 3"/>
           <p:cNvSpPr>
             <a:spLocks noGrp="1"/>
           </p:cNvSpPr>
@@ -494,15 +377,14 @@
         <p:spPr>
           <a:xfrm>
             <a:off x="504000" y="1769040"/>
-            <a:ext cx="9071640" cy="4384440"/>
-          </a:xfrm>
-          <a:prstGeom prst="rect">
-            <a:avLst/>
-          </a:prstGeom>
-        </p:spPr>
-        <p:txBody>
-          <a:bodyPr lIns="0" tIns="0" rIns="0" bIns="0"/>
-          <a:lstStyle/>
+            <a:ext cx="9071280" cy="4384080"/>
+          </a:xfrm>
+          <a:prstGeom prst="rect">
+            <a:avLst/>
+          </a:prstGeom>
+        </p:spPr>
+        <p:txBody>
+          <a:bodyPr lIns="0" rIns="0" tIns="0" bIns="0"/>
           <a:p>
             <a:endParaRPr/>
           </a:p>
@@ -510,7 +392,7 @@
       </p:sp>
       <p:pic>
         <p:nvPicPr>
-          <p:cNvPr id="37" name="Picture 36"/>
+          <p:cNvPr id="34" name="" descr=""/>
           <p:cNvPicPr/>
           <p:nvPr/>
         </p:nvPicPr>
@@ -522,8 +404,8 @@
         </p:blipFill>
         <p:spPr>
           <a:xfrm>
-            <a:off x="2292120" y="1768680"/>
-            <a:ext cx="5495040" cy="4384440"/>
+            <a:off x="2292120" y="1769040"/>
+            <a:ext cx="5494680" cy="4384080"/>
           </a:xfrm>
           <a:prstGeom prst="rect">
             <a:avLst/>
@@ -535,20 +417,20 @@
       </p:pic>
       <p:pic>
         <p:nvPicPr>
-          <p:cNvPr id="38" name="Picture 37"/>
+          <p:cNvPr id="35" name="" descr=""/>
           <p:cNvPicPr/>
           <p:nvPr/>
         </p:nvPicPr>
         <p:blipFill>
-          <a:blip r:embed="rId2"/>
+          <a:blip r:embed="rId3"/>
           <a:stretch>
             <a:fillRect/>
           </a:stretch>
         </p:blipFill>
         <p:spPr>
           <a:xfrm>
-            <a:off x="2292120" y="1768680"/>
-            <a:ext cx="5495040" cy="4384440"/>
+            <a:off x="2292120" y="1769040"/>
+            <a:ext cx="5494680" cy="4384080"/>
           </a:xfrm>
           <a:prstGeom prst="rect">
             <a:avLst/>
@@ -560,14 +442,11 @@
       </p:pic>
     </p:spTree>
   </p:cSld>
-  <p:clrMapOvr>
-    <a:masterClrMapping/>
-  </p:clrMapOvr>
 </p:sldLayout>
 </file>
 
 <file path=ppt/slideLayouts/slideLayout2.xml><?xml version="1.0" encoding="utf-8"?>
-<p:sldLayout xmlns:a="http://schemas.openxmlformats.org/drawingml/2006/main" xmlns:r="http://schemas.openxmlformats.org/officeDocument/2006/relationships" xmlns:p="http://schemas.openxmlformats.org/presentationml/2006/main" type="tx" preserve="1">
+<p:sldLayout xmlns:a="http://schemas.openxmlformats.org/drawingml/2006/main" xmlns:p="http://schemas.openxmlformats.org/presentationml/2006/main" xmlns:r="http://schemas.openxmlformats.org/officeDocument/2006/relationships" type="tx" preserve="1">
   <p:cSld name="Title Slide">
     <p:spTree>
       <p:nvGrpSpPr>
@@ -585,7 +464,7 @@
       </p:grpSpPr>
       <p:sp>
         <p:nvSpPr>
-          <p:cNvPr id="5" name="PlaceHolder 1"/>
+          <p:cNvPr id="2" name="PlaceHolder 1"/>
           <p:cNvSpPr>
             <a:spLocks noGrp="1"/>
           </p:cNvSpPr>
@@ -596,24 +475,22 @@
         <p:spPr>
           <a:xfrm>
             <a:off x="504000" y="301320"/>
-            <a:ext cx="9071640" cy="1262520"/>
-          </a:xfrm>
-          <a:prstGeom prst="rect">
-            <a:avLst/>
-          </a:prstGeom>
-        </p:spPr>
-        <p:txBody>
-          <a:bodyPr lIns="0" tIns="0" rIns="0" bIns="0" anchor="ctr"/>
-          <a:lstStyle/>
-          <a:p>
-            <a:pPr algn="ctr"/>
-            <a:endParaRPr/>
-          </a:p>
-        </p:txBody>
-      </p:sp>
-      <p:sp>
-        <p:nvSpPr>
-          <p:cNvPr id="6" name="PlaceHolder 2"/>
+            <a:ext cx="9071280" cy="1262520"/>
+          </a:xfrm>
+          <a:prstGeom prst="rect">
+            <a:avLst/>
+          </a:prstGeom>
+        </p:spPr>
+        <p:txBody>
+          <a:bodyPr lIns="0" rIns="0" tIns="0" bIns="0" anchor="ctr"/>
+          <a:p>
+            <a:endParaRPr/>
+          </a:p>
+        </p:txBody>
+      </p:sp>
+      <p:sp>
+        <p:nvSpPr>
+          <p:cNvPr id="3" name="PlaceHolder 2"/>
           <p:cNvSpPr>
             <a:spLocks noGrp="1"/>
           </p:cNvSpPr>
@@ -624,15 +501,14 @@
         <p:spPr>
           <a:xfrm>
             <a:off x="504000" y="1769040"/>
-            <a:ext cx="9071640" cy="4384800"/>
-          </a:xfrm>
-          <a:prstGeom prst="rect">
-            <a:avLst/>
-          </a:prstGeom>
-        </p:spPr>
-        <p:txBody>
-          <a:bodyPr lIns="0" tIns="0" rIns="0" bIns="0" anchor="ctr"/>
-          <a:lstStyle/>
+            <a:ext cx="9071280" cy="4384440"/>
+          </a:xfrm>
+          <a:prstGeom prst="rect">
+            <a:avLst/>
+          </a:prstGeom>
+        </p:spPr>
+        <p:txBody>
+          <a:bodyPr lIns="0" rIns="0" tIns="0" bIns="0" anchor="ctr"/>
           <a:p>
             <a:pPr algn="ctr"/>
             <a:endParaRPr/>
@@ -641,14 +517,11 @@
       </p:sp>
     </p:spTree>
   </p:cSld>
-  <p:clrMapOvr>
-    <a:masterClrMapping/>
-  </p:clrMapOvr>
 </p:sldLayout>
 </file>
 
 <file path=ppt/slideLayouts/slideLayout3.xml><?xml version="1.0" encoding="utf-8"?>
-<p:sldLayout xmlns:a="http://schemas.openxmlformats.org/drawingml/2006/main" xmlns:r="http://schemas.openxmlformats.org/officeDocument/2006/relationships" xmlns:p="http://schemas.openxmlformats.org/presentationml/2006/main" type="obj" preserve="1">
+<p:sldLayout xmlns:a="http://schemas.openxmlformats.org/drawingml/2006/main" xmlns:p="http://schemas.openxmlformats.org/presentationml/2006/main" xmlns:r="http://schemas.openxmlformats.org/officeDocument/2006/relationships" type="obj" preserve="1">
   <p:cSld name="Title, Content">
     <p:spTree>
       <p:nvGrpSpPr>
@@ -666,7 +539,7 @@
       </p:grpSpPr>
       <p:sp>
         <p:nvSpPr>
-          <p:cNvPr id="7" name="PlaceHolder 1"/>
+          <p:cNvPr id="4" name="PlaceHolder 1"/>
           <p:cNvSpPr>
             <a:spLocks noGrp="1"/>
           </p:cNvSpPr>
@@ -677,24 +550,22 @@
         <p:spPr>
           <a:xfrm>
             <a:off x="504000" y="301320"/>
-            <a:ext cx="9071640" cy="1262520"/>
-          </a:xfrm>
-          <a:prstGeom prst="rect">
-            <a:avLst/>
-          </a:prstGeom>
-        </p:spPr>
-        <p:txBody>
-          <a:bodyPr lIns="0" tIns="0" rIns="0" bIns="0" anchor="ctr"/>
-          <a:lstStyle/>
-          <a:p>
-            <a:pPr algn="ctr"/>
-            <a:endParaRPr/>
-          </a:p>
-        </p:txBody>
-      </p:sp>
-      <p:sp>
-        <p:nvSpPr>
-          <p:cNvPr id="8" name="PlaceHolder 2"/>
+            <a:ext cx="9071280" cy="1262520"/>
+          </a:xfrm>
+          <a:prstGeom prst="rect">
+            <a:avLst/>
+          </a:prstGeom>
+        </p:spPr>
+        <p:txBody>
+          <a:bodyPr lIns="0" rIns="0" tIns="0" bIns="0" anchor="ctr"/>
+          <a:p>
+            <a:endParaRPr/>
+          </a:p>
+        </p:txBody>
+      </p:sp>
+      <p:sp>
+        <p:nvSpPr>
+          <p:cNvPr id="5" name="PlaceHolder 2"/>
           <p:cNvSpPr>
             <a:spLocks noGrp="1"/>
           </p:cNvSpPr>
@@ -705,15 +576,14 @@
         <p:spPr>
           <a:xfrm>
             <a:off x="504000" y="1769040"/>
-            <a:ext cx="9071640" cy="4384440"/>
-          </a:xfrm>
-          <a:prstGeom prst="rect">
-            <a:avLst/>
-          </a:prstGeom>
-        </p:spPr>
-        <p:txBody>
-          <a:bodyPr lIns="0" tIns="0" rIns="0" bIns="0"/>
-          <a:lstStyle/>
+            <a:ext cx="9071280" cy="4384080"/>
+          </a:xfrm>
+          <a:prstGeom prst="rect">
+            <a:avLst/>
+          </a:prstGeom>
+        </p:spPr>
+        <p:txBody>
+          <a:bodyPr lIns="0" rIns="0" tIns="0" bIns="0"/>
           <a:p>
             <a:endParaRPr/>
           </a:p>
@@ -721,14 +591,11 @@
       </p:sp>
     </p:spTree>
   </p:cSld>
-  <p:clrMapOvr>
-    <a:masterClrMapping/>
-  </p:clrMapOvr>
 </p:sldLayout>
 </file>
 
 <file path=ppt/slideLayouts/slideLayout4.xml><?xml version="1.0" encoding="utf-8"?>
-<p:sldLayout xmlns:a="http://schemas.openxmlformats.org/drawingml/2006/main" xmlns:r="http://schemas.openxmlformats.org/officeDocument/2006/relationships" xmlns:p="http://schemas.openxmlformats.org/presentationml/2006/main" type="twoObj" preserve="1">
+<p:sldLayout xmlns:a="http://schemas.openxmlformats.org/drawingml/2006/main" xmlns:p="http://schemas.openxmlformats.org/presentationml/2006/main" xmlns:r="http://schemas.openxmlformats.org/officeDocument/2006/relationships" type="twoObj" preserve="1">
   <p:cSld name="Title, 2 Content">
     <p:spTree>
       <p:nvGrpSpPr>
@@ -746,7 +613,7 @@
       </p:grpSpPr>
       <p:sp>
         <p:nvSpPr>
-          <p:cNvPr id="9" name="PlaceHolder 1"/>
+          <p:cNvPr id="6" name="PlaceHolder 1"/>
           <p:cNvSpPr>
             <a:spLocks noGrp="1"/>
           </p:cNvSpPr>
@@ -757,24 +624,22 @@
         <p:spPr>
           <a:xfrm>
             <a:off x="504000" y="301320"/>
-            <a:ext cx="9071640" cy="1262520"/>
-          </a:xfrm>
-          <a:prstGeom prst="rect">
-            <a:avLst/>
-          </a:prstGeom>
-        </p:spPr>
-        <p:txBody>
-          <a:bodyPr lIns="0" tIns="0" rIns="0" bIns="0" anchor="ctr"/>
-          <a:lstStyle/>
-          <a:p>
-            <a:pPr algn="ctr"/>
-            <a:endParaRPr/>
-          </a:p>
-        </p:txBody>
-      </p:sp>
-      <p:sp>
-        <p:nvSpPr>
-          <p:cNvPr id="10" name="PlaceHolder 2"/>
+            <a:ext cx="9071280" cy="1262520"/>
+          </a:xfrm>
+          <a:prstGeom prst="rect">
+            <a:avLst/>
+          </a:prstGeom>
+        </p:spPr>
+        <p:txBody>
+          <a:bodyPr lIns="0" rIns="0" tIns="0" bIns="0" anchor="ctr"/>
+          <a:p>
+            <a:endParaRPr/>
+          </a:p>
+        </p:txBody>
+      </p:sp>
+      <p:sp>
+        <p:nvSpPr>
+          <p:cNvPr id="7" name="PlaceHolder 2"/>
           <p:cNvSpPr>
             <a:spLocks noGrp="1"/>
           </p:cNvSpPr>
@@ -785,23 +650,22 @@
         <p:spPr>
           <a:xfrm>
             <a:off x="504000" y="1769040"/>
-            <a:ext cx="4426920" cy="4384440"/>
-          </a:xfrm>
-          <a:prstGeom prst="rect">
-            <a:avLst/>
-          </a:prstGeom>
-        </p:spPr>
-        <p:txBody>
-          <a:bodyPr lIns="0" tIns="0" rIns="0" bIns="0"/>
-          <a:lstStyle/>
-          <a:p>
-            <a:endParaRPr/>
-          </a:p>
-        </p:txBody>
-      </p:sp>
-      <p:sp>
-        <p:nvSpPr>
-          <p:cNvPr id="11" name="PlaceHolder 3"/>
+            <a:ext cx="4426560" cy="4384080"/>
+          </a:xfrm>
+          <a:prstGeom prst="rect">
+            <a:avLst/>
+          </a:prstGeom>
+        </p:spPr>
+        <p:txBody>
+          <a:bodyPr lIns="0" rIns="0" tIns="0" bIns="0"/>
+          <a:p>
+            <a:endParaRPr/>
+          </a:p>
+        </p:txBody>
+      </p:sp>
+      <p:sp>
+        <p:nvSpPr>
+          <p:cNvPr id="8" name="PlaceHolder 3"/>
           <p:cNvSpPr>
             <a:spLocks noGrp="1"/>
           </p:cNvSpPr>
@@ -811,16 +675,15 @@
         </p:nvSpPr>
         <p:spPr>
           <a:xfrm>
-            <a:off x="5152680" y="1769040"/>
-            <a:ext cx="4426920" cy="4384440"/>
-          </a:xfrm>
-          <a:prstGeom prst="rect">
-            <a:avLst/>
-          </a:prstGeom>
-        </p:spPr>
-        <p:txBody>
-          <a:bodyPr lIns="0" tIns="0" rIns="0" bIns="0"/>
-          <a:lstStyle/>
+            <a:off x="5152320" y="1769040"/>
+            <a:ext cx="4426560" cy="4384080"/>
+          </a:xfrm>
+          <a:prstGeom prst="rect">
+            <a:avLst/>
+          </a:prstGeom>
+        </p:spPr>
+        <p:txBody>
+          <a:bodyPr lIns="0" rIns="0" tIns="0" bIns="0"/>
           <a:p>
             <a:endParaRPr/>
           </a:p>
@@ -828,14 +691,11 @@
       </p:sp>
     </p:spTree>
   </p:cSld>
-  <p:clrMapOvr>
-    <a:masterClrMapping/>
-  </p:clrMapOvr>
 </p:sldLayout>
 </file>
 
 <file path=ppt/slideLayouts/slideLayout5.xml><?xml version="1.0" encoding="utf-8"?>
-<p:sldLayout xmlns:a="http://schemas.openxmlformats.org/drawingml/2006/main" xmlns:r="http://schemas.openxmlformats.org/officeDocument/2006/relationships" xmlns:p="http://schemas.openxmlformats.org/presentationml/2006/main" type="titleOnly" preserve="1">
+<p:sldLayout xmlns:a="http://schemas.openxmlformats.org/drawingml/2006/main" xmlns:p="http://schemas.openxmlformats.org/presentationml/2006/main" xmlns:r="http://schemas.openxmlformats.org/officeDocument/2006/relationships" type="titleOnly" preserve="1">
   <p:cSld name="Title Only">
     <p:spTree>
       <p:nvGrpSpPr>
@@ -853,7 +713,7 @@
       </p:grpSpPr>
       <p:sp>
         <p:nvSpPr>
-          <p:cNvPr id="12" name="PlaceHolder 1"/>
+          <p:cNvPr id="9" name="PlaceHolder 1"/>
           <p:cNvSpPr>
             <a:spLocks noGrp="1"/>
           </p:cNvSpPr>
@@ -864,31 +724,26 @@
         <p:spPr>
           <a:xfrm>
             <a:off x="504000" y="301320"/>
-            <a:ext cx="9071640" cy="1262520"/>
-          </a:xfrm>
-          <a:prstGeom prst="rect">
-            <a:avLst/>
-          </a:prstGeom>
-        </p:spPr>
-        <p:txBody>
-          <a:bodyPr lIns="0" tIns="0" rIns="0" bIns="0" anchor="ctr"/>
-          <a:lstStyle/>
-          <a:p>
-            <a:pPr algn="ctr"/>
+            <a:ext cx="9071280" cy="1262520"/>
+          </a:xfrm>
+          <a:prstGeom prst="rect">
+            <a:avLst/>
+          </a:prstGeom>
+        </p:spPr>
+        <p:txBody>
+          <a:bodyPr lIns="0" rIns="0" tIns="0" bIns="0" anchor="ctr"/>
+          <a:p>
             <a:endParaRPr/>
           </a:p>
         </p:txBody>
       </p:sp>
     </p:spTree>
   </p:cSld>
-  <p:clrMapOvr>
-    <a:masterClrMapping/>
-  </p:clrMapOvr>
 </p:sldLayout>
 </file>
 
 <file path=ppt/slideLayouts/slideLayout6.xml><?xml version="1.0" encoding="utf-8"?>
-<p:sldLayout xmlns:a="http://schemas.openxmlformats.org/drawingml/2006/main" xmlns:r="http://schemas.openxmlformats.org/officeDocument/2006/relationships" xmlns:p="http://schemas.openxmlformats.org/presentationml/2006/main" type="objOnly" preserve="1">
+<p:sldLayout xmlns:a="http://schemas.openxmlformats.org/drawingml/2006/main" xmlns:p="http://schemas.openxmlformats.org/presentationml/2006/main" xmlns:r="http://schemas.openxmlformats.org/officeDocument/2006/relationships" type="objOnly" preserve="1">
   <p:cSld name="Centered Text">
     <p:spTree>
       <p:nvGrpSpPr>
@@ -906,7 +761,7 @@
       </p:grpSpPr>
       <p:sp>
         <p:nvSpPr>
-          <p:cNvPr id="13" name="PlaceHolder 1"/>
+          <p:cNvPr id="10" name="PlaceHolder 1"/>
           <p:cNvSpPr>
             <a:spLocks noGrp="1"/>
           </p:cNvSpPr>
@@ -917,15 +772,14 @@
         <p:spPr>
           <a:xfrm>
             <a:off x="504000" y="301320"/>
-            <a:ext cx="9071640" cy="5852160"/>
-          </a:xfrm>
-          <a:prstGeom prst="rect">
-            <a:avLst/>
-          </a:prstGeom>
-        </p:spPr>
-        <p:txBody>
-          <a:bodyPr lIns="0" tIns="0" rIns="0" bIns="0" anchor="ctr"/>
-          <a:lstStyle/>
+            <a:ext cx="9071280" cy="5852160"/>
+          </a:xfrm>
+          <a:prstGeom prst="rect">
+            <a:avLst/>
+          </a:prstGeom>
+        </p:spPr>
+        <p:txBody>
+          <a:bodyPr lIns="0" rIns="0" tIns="0" bIns="0" anchor="ctr"/>
           <a:p>
             <a:pPr algn="ctr"/>
             <a:endParaRPr/>
@@ -934,14 +788,11 @@
       </p:sp>
     </p:spTree>
   </p:cSld>
-  <p:clrMapOvr>
-    <a:masterClrMapping/>
-  </p:clrMapOvr>
 </p:sldLayout>
 </file>
 
 <file path=ppt/slideLayouts/slideLayout7.xml><?xml version="1.0" encoding="utf-8"?>
-<p:sldLayout xmlns:a="http://schemas.openxmlformats.org/drawingml/2006/main" xmlns:r="http://schemas.openxmlformats.org/officeDocument/2006/relationships" xmlns:p="http://schemas.openxmlformats.org/presentationml/2006/main" type="twoObjAndObj" preserve="1">
+<p:sldLayout xmlns:a="http://schemas.openxmlformats.org/drawingml/2006/main" xmlns:p="http://schemas.openxmlformats.org/presentationml/2006/main" xmlns:r="http://schemas.openxmlformats.org/officeDocument/2006/relationships" type="twoObjAndObj" preserve="1">
   <p:cSld name="Title, 2 Content and Content">
     <p:spTree>
       <p:nvGrpSpPr>
@@ -959,7 +810,7 @@
       </p:grpSpPr>
       <p:sp>
         <p:nvSpPr>
-          <p:cNvPr id="14" name="PlaceHolder 1"/>
+          <p:cNvPr id="11" name="PlaceHolder 1"/>
           <p:cNvSpPr>
             <a:spLocks noGrp="1"/>
           </p:cNvSpPr>
@@ -970,24 +821,22 @@
         <p:spPr>
           <a:xfrm>
             <a:off x="504000" y="301320"/>
-            <a:ext cx="9071640" cy="1262520"/>
-          </a:xfrm>
-          <a:prstGeom prst="rect">
-            <a:avLst/>
-          </a:prstGeom>
-        </p:spPr>
-        <p:txBody>
-          <a:bodyPr lIns="0" tIns="0" rIns="0" bIns="0" anchor="ctr"/>
-          <a:lstStyle/>
-          <a:p>
-            <a:pPr algn="ctr"/>
-            <a:endParaRPr/>
-          </a:p>
-        </p:txBody>
-      </p:sp>
-      <p:sp>
-        <p:nvSpPr>
-          <p:cNvPr id="15" name="PlaceHolder 2"/>
+            <a:ext cx="9071280" cy="1262520"/>
+          </a:xfrm>
+          <a:prstGeom prst="rect">
+            <a:avLst/>
+          </a:prstGeom>
+        </p:spPr>
+        <p:txBody>
+          <a:bodyPr lIns="0" rIns="0" tIns="0" bIns="0" anchor="ctr"/>
+          <a:p>
+            <a:endParaRPr/>
+          </a:p>
+        </p:txBody>
+      </p:sp>
+      <p:sp>
+        <p:nvSpPr>
+          <p:cNvPr id="12" name="PlaceHolder 2"/>
           <p:cNvSpPr>
             <a:spLocks noGrp="1"/>
           </p:cNvSpPr>
@@ -998,23 +847,22 @@
         <p:spPr>
           <a:xfrm>
             <a:off x="504000" y="1769040"/>
-            <a:ext cx="4426920" cy="2091240"/>
-          </a:xfrm>
-          <a:prstGeom prst="rect">
-            <a:avLst/>
-          </a:prstGeom>
-        </p:spPr>
-        <p:txBody>
-          <a:bodyPr lIns="0" tIns="0" rIns="0" bIns="0"/>
-          <a:lstStyle/>
-          <a:p>
-            <a:endParaRPr/>
-          </a:p>
-        </p:txBody>
-      </p:sp>
-      <p:sp>
-        <p:nvSpPr>
-          <p:cNvPr id="16" name="PlaceHolder 3"/>
+            <a:ext cx="4426560" cy="2090880"/>
+          </a:xfrm>
+          <a:prstGeom prst="rect">
+            <a:avLst/>
+          </a:prstGeom>
+        </p:spPr>
+        <p:txBody>
+          <a:bodyPr lIns="0" rIns="0" tIns="0" bIns="0"/>
+          <a:p>
+            <a:endParaRPr/>
+          </a:p>
+        </p:txBody>
+      </p:sp>
+      <p:sp>
+        <p:nvSpPr>
+          <p:cNvPr id="13" name="PlaceHolder 3"/>
           <p:cNvSpPr>
             <a:spLocks noGrp="1"/>
           </p:cNvSpPr>
@@ -1024,24 +872,23 @@
         </p:nvSpPr>
         <p:spPr>
           <a:xfrm>
-            <a:off x="504000" y="4059360"/>
-            <a:ext cx="4426920" cy="2091240"/>
-          </a:xfrm>
-          <a:prstGeom prst="rect">
-            <a:avLst/>
-          </a:prstGeom>
-        </p:spPr>
-        <p:txBody>
-          <a:bodyPr lIns="0" tIns="0" rIns="0" bIns="0"/>
-          <a:lstStyle/>
-          <a:p>
-            <a:endParaRPr/>
-          </a:p>
-        </p:txBody>
-      </p:sp>
-      <p:sp>
-        <p:nvSpPr>
-          <p:cNvPr id="17" name="PlaceHolder 4"/>
+            <a:off x="504000" y="4059000"/>
+            <a:ext cx="4426560" cy="2090880"/>
+          </a:xfrm>
+          <a:prstGeom prst="rect">
+            <a:avLst/>
+          </a:prstGeom>
+        </p:spPr>
+        <p:txBody>
+          <a:bodyPr lIns="0" rIns="0" tIns="0" bIns="0"/>
+          <a:p>
+            <a:endParaRPr/>
+          </a:p>
+        </p:txBody>
+      </p:sp>
+      <p:sp>
+        <p:nvSpPr>
+          <p:cNvPr id="14" name="PlaceHolder 4"/>
           <p:cNvSpPr>
             <a:spLocks noGrp="1"/>
           </p:cNvSpPr>
@@ -1051,16 +898,15 @@
         </p:nvSpPr>
         <p:spPr>
           <a:xfrm>
-            <a:off x="5152680" y="1769040"/>
-            <a:ext cx="4426920" cy="4384440"/>
-          </a:xfrm>
-          <a:prstGeom prst="rect">
-            <a:avLst/>
-          </a:prstGeom>
-        </p:spPr>
-        <p:txBody>
-          <a:bodyPr lIns="0" tIns="0" rIns="0" bIns="0"/>
-          <a:lstStyle/>
+            <a:off x="5152320" y="1769040"/>
+            <a:ext cx="4426560" cy="4384080"/>
+          </a:xfrm>
+          <a:prstGeom prst="rect">
+            <a:avLst/>
+          </a:prstGeom>
+        </p:spPr>
+        <p:txBody>
+          <a:bodyPr lIns="0" rIns="0" tIns="0" bIns="0"/>
           <a:p>
             <a:endParaRPr/>
           </a:p>
@@ -1068,14 +914,11 @@
       </p:sp>
     </p:spTree>
   </p:cSld>
-  <p:clrMapOvr>
-    <a:masterClrMapping/>
-  </p:clrMapOvr>
 </p:sldLayout>
 </file>
 
 <file path=ppt/slideLayouts/slideLayout8.xml><?xml version="1.0" encoding="utf-8"?>
-<p:sldLayout xmlns:a="http://schemas.openxmlformats.org/drawingml/2006/main" xmlns:r="http://schemas.openxmlformats.org/officeDocument/2006/relationships" xmlns:p="http://schemas.openxmlformats.org/presentationml/2006/main" type="objAndTwoObj" preserve="1">
+<p:sldLayout xmlns:a="http://schemas.openxmlformats.org/drawingml/2006/main" xmlns:p="http://schemas.openxmlformats.org/presentationml/2006/main" xmlns:r="http://schemas.openxmlformats.org/officeDocument/2006/relationships" type="objAndTwoObj" preserve="1">
   <p:cSld name="Title Content and 2 Content">
     <p:spTree>
       <p:nvGrpSpPr>
@@ -1093,7 +936,7 @@
       </p:grpSpPr>
       <p:sp>
         <p:nvSpPr>
-          <p:cNvPr id="18" name="PlaceHolder 1"/>
+          <p:cNvPr id="15" name="PlaceHolder 1"/>
           <p:cNvSpPr>
             <a:spLocks noGrp="1"/>
           </p:cNvSpPr>
@@ -1104,24 +947,22 @@
         <p:spPr>
           <a:xfrm>
             <a:off x="504000" y="301320"/>
-            <a:ext cx="9071640" cy="1262520"/>
-          </a:xfrm>
-          <a:prstGeom prst="rect">
-            <a:avLst/>
-          </a:prstGeom>
-        </p:spPr>
-        <p:txBody>
-          <a:bodyPr lIns="0" tIns="0" rIns="0" bIns="0" anchor="ctr"/>
-          <a:lstStyle/>
-          <a:p>
-            <a:pPr algn="ctr"/>
-            <a:endParaRPr/>
-          </a:p>
-        </p:txBody>
-      </p:sp>
-      <p:sp>
-        <p:nvSpPr>
-          <p:cNvPr id="19" name="PlaceHolder 2"/>
+            <a:ext cx="9071280" cy="1262520"/>
+          </a:xfrm>
+          <a:prstGeom prst="rect">
+            <a:avLst/>
+          </a:prstGeom>
+        </p:spPr>
+        <p:txBody>
+          <a:bodyPr lIns="0" rIns="0" tIns="0" bIns="0" anchor="ctr"/>
+          <a:p>
+            <a:endParaRPr/>
+          </a:p>
+        </p:txBody>
+      </p:sp>
+      <p:sp>
+        <p:nvSpPr>
+          <p:cNvPr id="16" name="PlaceHolder 2"/>
           <p:cNvSpPr>
             <a:spLocks noGrp="1"/>
           </p:cNvSpPr>
@@ -1132,23 +973,22 @@
         <p:spPr>
           <a:xfrm>
             <a:off x="504000" y="1769040"/>
-            <a:ext cx="4426920" cy="4384440"/>
-          </a:xfrm>
-          <a:prstGeom prst="rect">
-            <a:avLst/>
-          </a:prstGeom>
-        </p:spPr>
-        <p:txBody>
-          <a:bodyPr lIns="0" tIns="0" rIns="0" bIns="0"/>
-          <a:lstStyle/>
-          <a:p>
-            <a:endParaRPr/>
-          </a:p>
-        </p:txBody>
-      </p:sp>
-      <p:sp>
-        <p:nvSpPr>
-          <p:cNvPr id="20" name="PlaceHolder 3"/>
+            <a:ext cx="4426560" cy="4384080"/>
+          </a:xfrm>
+          <a:prstGeom prst="rect">
+            <a:avLst/>
+          </a:prstGeom>
+        </p:spPr>
+        <p:txBody>
+          <a:bodyPr lIns="0" rIns="0" tIns="0" bIns="0"/>
+          <a:p>
+            <a:endParaRPr/>
+          </a:p>
+        </p:txBody>
+      </p:sp>
+      <p:sp>
+        <p:nvSpPr>
+          <p:cNvPr id="17" name="PlaceHolder 3"/>
           <p:cNvSpPr>
             <a:spLocks noGrp="1"/>
           </p:cNvSpPr>
@@ -1158,24 +998,23 @@
         </p:nvSpPr>
         <p:spPr>
           <a:xfrm>
-            <a:off x="5152680" y="1769040"/>
-            <a:ext cx="4426920" cy="2091240"/>
-          </a:xfrm>
-          <a:prstGeom prst="rect">
-            <a:avLst/>
-          </a:prstGeom>
-        </p:spPr>
-        <p:txBody>
-          <a:bodyPr lIns="0" tIns="0" rIns="0" bIns="0"/>
-          <a:lstStyle/>
-          <a:p>
-            <a:endParaRPr/>
-          </a:p>
-        </p:txBody>
-      </p:sp>
-      <p:sp>
-        <p:nvSpPr>
-          <p:cNvPr id="21" name="PlaceHolder 4"/>
+            <a:off x="5152320" y="1769040"/>
+            <a:ext cx="4426560" cy="2090880"/>
+          </a:xfrm>
+          <a:prstGeom prst="rect">
+            <a:avLst/>
+          </a:prstGeom>
+        </p:spPr>
+        <p:txBody>
+          <a:bodyPr lIns="0" rIns="0" tIns="0" bIns="0"/>
+          <a:p>
+            <a:endParaRPr/>
+          </a:p>
+        </p:txBody>
+      </p:sp>
+      <p:sp>
+        <p:nvSpPr>
+          <p:cNvPr id="18" name="PlaceHolder 4"/>
           <p:cNvSpPr>
             <a:spLocks noGrp="1"/>
           </p:cNvSpPr>
@@ -1185,16 +1024,15 @@
         </p:nvSpPr>
         <p:spPr>
           <a:xfrm>
-            <a:off x="5152680" y="4059360"/>
-            <a:ext cx="4426920" cy="2091240"/>
-          </a:xfrm>
-          <a:prstGeom prst="rect">
-            <a:avLst/>
-          </a:prstGeom>
-        </p:spPr>
-        <p:txBody>
-          <a:bodyPr lIns="0" tIns="0" rIns="0" bIns="0"/>
-          <a:lstStyle/>
+            <a:off x="5152320" y="4059000"/>
+            <a:ext cx="4426560" cy="2090880"/>
+          </a:xfrm>
+          <a:prstGeom prst="rect">
+            <a:avLst/>
+          </a:prstGeom>
+        </p:spPr>
+        <p:txBody>
+          <a:bodyPr lIns="0" rIns="0" tIns="0" bIns="0"/>
           <a:p>
             <a:endParaRPr/>
           </a:p>
@@ -1202,14 +1040,11 @@
       </p:sp>
     </p:spTree>
   </p:cSld>
-  <p:clrMapOvr>
-    <a:masterClrMapping/>
-  </p:clrMapOvr>
 </p:sldLayout>
 </file>
 
 <file path=ppt/slideLayouts/slideLayout9.xml><?xml version="1.0" encoding="utf-8"?>
-<p:sldLayout xmlns:a="http://schemas.openxmlformats.org/drawingml/2006/main" xmlns:r="http://schemas.openxmlformats.org/officeDocument/2006/relationships" xmlns:p="http://schemas.openxmlformats.org/presentationml/2006/main" type="twoObjOverTx" preserve="1">
+<p:sldLayout xmlns:a="http://schemas.openxmlformats.org/drawingml/2006/main" xmlns:p="http://schemas.openxmlformats.org/presentationml/2006/main" xmlns:r="http://schemas.openxmlformats.org/officeDocument/2006/relationships" type="twoObjOverTx" preserve="1">
   <p:cSld name="Title, 2 Content over Content">
     <p:spTree>
       <p:nvGrpSpPr>
@@ -1227,7 +1062,7 @@
       </p:grpSpPr>
       <p:sp>
         <p:nvSpPr>
-          <p:cNvPr id="22" name="PlaceHolder 1"/>
+          <p:cNvPr id="19" name="PlaceHolder 1"/>
           <p:cNvSpPr>
             <a:spLocks noGrp="1"/>
           </p:cNvSpPr>
@@ -1238,24 +1073,22 @@
         <p:spPr>
           <a:xfrm>
             <a:off x="504000" y="301320"/>
-            <a:ext cx="9071640" cy="1262520"/>
-          </a:xfrm>
-          <a:prstGeom prst="rect">
-            <a:avLst/>
-          </a:prstGeom>
-        </p:spPr>
-        <p:txBody>
-          <a:bodyPr lIns="0" tIns="0" rIns="0" bIns="0" anchor="ctr"/>
-          <a:lstStyle/>
-          <a:p>
-            <a:pPr algn="ctr"/>
-            <a:endParaRPr/>
-          </a:p>
-        </p:txBody>
-      </p:sp>
-      <p:sp>
-        <p:nvSpPr>
-          <p:cNvPr id="23" name="PlaceHolder 2"/>
+            <a:ext cx="9071280" cy="1262520"/>
+          </a:xfrm>
+          <a:prstGeom prst="rect">
+            <a:avLst/>
+          </a:prstGeom>
+        </p:spPr>
+        <p:txBody>
+          <a:bodyPr lIns="0" rIns="0" tIns="0" bIns="0" anchor="ctr"/>
+          <a:p>
+            <a:endParaRPr/>
+          </a:p>
+        </p:txBody>
+      </p:sp>
+      <p:sp>
+        <p:nvSpPr>
+          <p:cNvPr id="20" name="PlaceHolder 2"/>
           <p:cNvSpPr>
             <a:spLocks noGrp="1"/>
           </p:cNvSpPr>
@@ -1266,23 +1099,22 @@
         <p:spPr>
           <a:xfrm>
             <a:off x="504000" y="1769040"/>
-            <a:ext cx="4426920" cy="2091240"/>
-          </a:xfrm>
-          <a:prstGeom prst="rect">
-            <a:avLst/>
-          </a:prstGeom>
-        </p:spPr>
-        <p:txBody>
-          <a:bodyPr lIns="0" tIns="0" rIns="0" bIns="0"/>
-          <a:lstStyle/>
-          <a:p>
-            <a:endParaRPr/>
-          </a:p>
-        </p:txBody>
-      </p:sp>
-      <p:sp>
-        <p:nvSpPr>
-          <p:cNvPr id="24" name="PlaceHolder 3"/>
+            <a:ext cx="4426560" cy="2090880"/>
+          </a:xfrm>
+          <a:prstGeom prst="rect">
+            <a:avLst/>
+          </a:prstGeom>
+        </p:spPr>
+        <p:txBody>
+          <a:bodyPr lIns="0" rIns="0" tIns="0" bIns="0"/>
+          <a:p>
+            <a:endParaRPr/>
+          </a:p>
+        </p:txBody>
+      </p:sp>
+      <p:sp>
+        <p:nvSpPr>
+          <p:cNvPr id="21" name="PlaceHolder 3"/>
           <p:cNvSpPr>
             <a:spLocks noGrp="1"/>
           </p:cNvSpPr>
@@ -1292,24 +1124,23 @@
         </p:nvSpPr>
         <p:spPr>
           <a:xfrm>
-            <a:off x="5152680" y="1769040"/>
-            <a:ext cx="4426920" cy="2091240"/>
-          </a:xfrm>
-          <a:prstGeom prst="rect">
-            <a:avLst/>
-          </a:prstGeom>
-        </p:spPr>
-        <p:txBody>
-          <a:bodyPr lIns="0" tIns="0" rIns="0" bIns="0"/>
-          <a:lstStyle/>
-          <a:p>
-            <a:endParaRPr/>
-          </a:p>
-        </p:txBody>
-      </p:sp>
-      <p:sp>
-        <p:nvSpPr>
-          <p:cNvPr id="25" name="PlaceHolder 4"/>
+            <a:off x="5152320" y="1769040"/>
+            <a:ext cx="4426560" cy="2090880"/>
+          </a:xfrm>
+          <a:prstGeom prst="rect">
+            <a:avLst/>
+          </a:prstGeom>
+        </p:spPr>
+        <p:txBody>
+          <a:bodyPr lIns="0" rIns="0" tIns="0" bIns="0"/>
+          <a:p>
+            <a:endParaRPr/>
+          </a:p>
+        </p:txBody>
+      </p:sp>
+      <p:sp>
+        <p:nvSpPr>
+          <p:cNvPr id="22" name="PlaceHolder 4"/>
           <p:cNvSpPr>
             <a:spLocks noGrp="1"/>
           </p:cNvSpPr>
@@ -1319,16 +1150,15 @@
         </p:nvSpPr>
         <p:spPr>
           <a:xfrm>
-            <a:off x="504000" y="4059360"/>
-            <a:ext cx="9071640" cy="2091240"/>
-          </a:xfrm>
-          <a:prstGeom prst="rect">
-            <a:avLst/>
-          </a:prstGeom>
-        </p:spPr>
-        <p:txBody>
-          <a:bodyPr lIns="0" tIns="0" rIns="0" bIns="0"/>
-          <a:lstStyle/>
+            <a:off x="504000" y="4059000"/>
+            <a:ext cx="9071280" cy="2090880"/>
+          </a:xfrm>
+          <a:prstGeom prst="rect">
+            <a:avLst/>
+          </a:prstGeom>
+        </p:spPr>
+        <p:txBody>
+          <a:bodyPr lIns="0" rIns="0" tIns="0" bIns="0"/>
           <a:p>
             <a:endParaRPr/>
           </a:p>
@@ -1336,19 +1166,18 @@
       </p:sp>
     </p:spTree>
   </p:cSld>
-  <p:clrMapOvr>
-    <a:masterClrMapping/>
-  </p:clrMapOvr>
 </p:sldLayout>
 </file>
 
 <file path=ppt/slideMasters/slideMaster1.xml><?xml version="1.0" encoding="utf-8"?>
-<p:sldMaster xmlns:a="http://schemas.openxmlformats.org/drawingml/2006/main" xmlns:r="http://schemas.openxmlformats.org/officeDocument/2006/relationships" xmlns:p="http://schemas.openxmlformats.org/presentationml/2006/main">
+<p:sldMaster xmlns:a="http://schemas.openxmlformats.org/drawingml/2006/main" xmlns:p="http://schemas.openxmlformats.org/presentationml/2006/main" xmlns:r="http://schemas.openxmlformats.org/officeDocument/2006/relationships">
   <p:cSld>
     <p:bg>
-      <p:bgRef idx="1001">
-        <a:schemeClr val="bg1"/>
-      </p:bgRef>
+      <p:bgPr>
+        <a:solidFill>
+          <a:srgbClr val="ffffff"/>
+        </a:solidFill>
+      </p:bgPr>
     </p:bg>
     <p:spTree>
       <p:nvGrpSpPr>
@@ -1366,7 +1195,7 @@
       </p:grpSpPr>
       <p:sp>
         <p:nvSpPr>
-          <p:cNvPr id="5" name="PlaceHolder 1"/>
+          <p:cNvPr id="0" name="PlaceHolder 1"/>
           <p:cNvSpPr>
             <a:spLocks noGrp="1"/>
           </p:cNvSpPr>
@@ -1377,17 +1206,15 @@
         <p:spPr>
           <a:xfrm>
             <a:off x="504000" y="301320"/>
-            <a:ext cx="9071640" cy="1262160"/>
-          </a:xfrm>
-          <a:prstGeom prst="rect">
-            <a:avLst/>
-          </a:prstGeom>
-        </p:spPr>
-        <p:txBody>
-          <a:bodyPr lIns="0" tIns="0" rIns="0" bIns="0" anchor="ctr"/>
-          <a:lstStyle/>
-          <a:p>
-            <a:pPr algn="ctr"/>
+            <a:ext cx="9071280" cy="1262160"/>
+          </a:xfrm>
+          <a:prstGeom prst="rect">
+            <a:avLst/>
+          </a:prstGeom>
+        </p:spPr>
+        <p:txBody>
+          <a:bodyPr lIns="0" rIns="0" tIns="0" bIns="0" anchor="ctr"/>
+          <a:p>
             <a:r>
               <a:rPr lang="en-US" sz="4400">
                 <a:latin typeface="Arial"/>
@@ -1400,7 +1227,7 @@
       </p:sp>
       <p:sp>
         <p:nvSpPr>
-          <p:cNvPr id="6" name="PlaceHolder 2"/>
+          <p:cNvPr id="1" name="PlaceHolder 2"/>
           <p:cNvSpPr>
             <a:spLocks noGrp="1"/>
           </p:cNvSpPr>
@@ -1411,15 +1238,14 @@
         <p:spPr>
           <a:xfrm>
             <a:off x="504000" y="1769040"/>
-            <a:ext cx="9071640" cy="4384440"/>
-          </a:xfrm>
-          <a:prstGeom prst="rect">
-            <a:avLst/>
-          </a:prstGeom>
-        </p:spPr>
-        <p:txBody>
-          <a:bodyPr lIns="0" tIns="0" rIns="0" bIns="0"/>
-          <a:lstStyle/>
+            <a:ext cx="9071280" cy="4384080"/>
+          </a:xfrm>
+          <a:prstGeom prst="rect">
+            <a:avLst/>
+          </a:prstGeom>
+        </p:spPr>
+        <p:txBody>
+          <a:bodyPr lIns="0" rIns="0" tIns="0" bIns="0"/>
           <a:p>
             <a:pPr>
               <a:buSzPct val="45000"/>
@@ -1427,7 +1253,7 @@
               <a:buChar char=""/>
             </a:pPr>
             <a:r>
-              <a:rPr lang="en-US" sz="3200">
+              <a:rPr lang="en-US" sz="2800">
                 <a:latin typeface="Arial"/>
               </a:rPr>
               <a:t>Click to edit the outline text format</a:t>
@@ -1455,7 +1281,7 @@
               <a:buChar char=""/>
             </a:pPr>
             <a:r>
-              <a:rPr lang="en-US" sz="2400">
+              <a:rPr lang="en-US" sz="2800">
                 <a:latin typeface="Arial"/>
               </a:rPr>
               <a:t>Third Outline Level</a:t>
@@ -1469,7 +1295,7 @@
               <a:buChar char=""/>
             </a:pPr>
             <a:r>
-              <a:rPr lang="en-US" sz="2000">
+              <a:rPr lang="en-US" sz="2800">
                 <a:latin typeface="Arial"/>
               </a:rPr>
               <a:t>Fourth Outline Level</a:t>
@@ -1483,7 +1309,7 @@
               <a:buChar char=""/>
             </a:pPr>
             <a:r>
-              <a:rPr lang="en-US" sz="2000">
+              <a:rPr lang="en-US" sz="2800">
                 <a:latin typeface="Arial"/>
               </a:rPr>
               <a:t>Fifth Outline Level</a:t>
@@ -1497,7 +1323,7 @@
               <a:buChar char=""/>
             </a:pPr>
             <a:r>
-              <a:rPr lang="en-US" sz="2000">
+              <a:rPr lang="en-US" sz="2800">
                 <a:latin typeface="Arial"/>
               </a:rPr>
               <a:t>Sixth Outline Level</a:t>
@@ -1511,7 +1337,7 @@
               <a:buChar char=""/>
             </a:pPr>
             <a:r>
-              <a:rPr lang="en-US" sz="2000">
+              <a:rPr lang="en-US" sz="2800">
                 <a:latin typeface="Arial"/>
               </a:rPr>
               <a:t>Seventh Outline Level</a:t>
@@ -1520,409 +1346,28 @@
           </a:p>
         </p:txBody>
       </p:sp>
-      <p:sp>
-        <p:nvSpPr>
-          <p:cNvPr id="2" name="PlaceHolder 3"/>
-          <p:cNvSpPr>
-            <a:spLocks noGrp="1"/>
-          </p:cNvSpPr>
-          <p:nvPr>
-            <p:ph type="dt"/>
-          </p:nvPr>
-        </p:nvSpPr>
-        <p:spPr>
-          <a:xfrm>
-            <a:off x="504000" y="6887160"/>
-            <a:ext cx="2348280" cy="521280"/>
-          </a:xfrm>
-          <a:prstGeom prst="rect">
-            <a:avLst/>
-          </a:prstGeom>
-        </p:spPr>
-        <p:txBody>
-          <a:bodyPr lIns="0" tIns="0" rIns="0" bIns="0"/>
-          <a:lstStyle/>
-          <a:p>
-            <a:r>
-              <a:rPr lang="en-US" sz="1400">
-                <a:latin typeface="Times New Roman"/>
-              </a:rPr>
-              <a:t>&lt;date/time&gt;</a:t>
-            </a:r>
-            <a:endParaRPr/>
-          </a:p>
-        </p:txBody>
-      </p:sp>
-      <p:sp>
-        <p:nvSpPr>
-          <p:cNvPr id="3" name="PlaceHolder 4"/>
-          <p:cNvSpPr>
-            <a:spLocks noGrp="1"/>
-          </p:cNvSpPr>
-          <p:nvPr>
-            <p:ph type="ftr"/>
-          </p:nvPr>
-        </p:nvSpPr>
-        <p:spPr>
-          <a:xfrm>
-            <a:off x="3447360" y="6887160"/>
-            <a:ext cx="3195000" cy="521280"/>
-          </a:xfrm>
-          <a:prstGeom prst="rect">
-            <a:avLst/>
-          </a:prstGeom>
-        </p:spPr>
-        <p:txBody>
-          <a:bodyPr lIns="0" tIns="0" rIns="0" bIns="0"/>
-          <a:lstStyle/>
-          <a:p>
-            <a:pPr algn="ctr"/>
-            <a:r>
-              <a:rPr lang="en-US" sz="1400">
-                <a:latin typeface="Times New Roman"/>
-              </a:rPr>
-              <a:t>&lt;footer&gt;</a:t>
-            </a:r>
-            <a:endParaRPr/>
-          </a:p>
-        </p:txBody>
-      </p:sp>
-      <p:sp>
-        <p:nvSpPr>
-          <p:cNvPr id="4" name="PlaceHolder 5"/>
-          <p:cNvSpPr>
-            <a:spLocks noGrp="1"/>
-          </p:cNvSpPr>
-          <p:nvPr>
-            <p:ph type="sldNum"/>
-          </p:nvPr>
-        </p:nvSpPr>
-        <p:spPr>
-          <a:xfrm>
-            <a:off x="7227360" y="6887160"/>
-            <a:ext cx="2348280" cy="521280"/>
-          </a:xfrm>
-          <a:prstGeom prst="rect">
-            <a:avLst/>
-          </a:prstGeom>
-        </p:spPr>
-        <p:txBody>
-          <a:bodyPr lIns="0" tIns="0" rIns="0" bIns="0"/>
-          <a:lstStyle/>
-          <a:p>
-            <a:pPr algn="r"/>
-            <a:fld id="{6EB91AE8-CA88-406F-9074-C71755D3FCCE}" type="slidenum">
-              <a:rPr lang="en-US" sz="1400">
-                <a:latin typeface="Times New Roman"/>
-              </a:rPr>
-              <a:t>‹#›</a:t>
-            </a:fld>
-            <a:endParaRPr/>
-          </a:p>
-        </p:txBody>
-      </p:sp>
     </p:spTree>
   </p:cSld>
-  <p:clrMap bg1="lt1" tx1="dk1" bg2="lt2" tx2="dk2" accent1="accent1" accent2="accent2" accent3="accent3" accent4="accent4" accent5="accent5" accent6="accent6" hlink="hlink" folHlink="folHlink"/>
+  <p:clrMap bg1="lt1" bg2="lt2" tx1="dk1" tx2="dk2" accent1="accent1" accent2="accent2" accent3="accent3" accent4="accent4" accent5="accent5" accent6="accent6" hlink="hlink" folHlink="folHlink"/>
   <p:sldLayoutIdLst>
-    <p:sldLayoutId id="2147483649" r:id="rId1"/>
-    <p:sldLayoutId id="2147483650" r:id="rId2"/>
-    <p:sldLayoutId id="2147483651" r:id="rId3"/>
-    <p:sldLayoutId id="2147483652" r:id="rId4"/>
-    <p:sldLayoutId id="2147483653" r:id="rId5"/>
-    <p:sldLayoutId id="2147483654" r:id="rId6"/>
-    <p:sldLayoutId id="2147483655" r:id="rId7"/>
-    <p:sldLayoutId id="2147483656" r:id="rId8"/>
-    <p:sldLayoutId id="2147483657" r:id="rId9"/>
-    <p:sldLayoutId id="2147483658" r:id="rId10"/>
-    <p:sldLayoutId id="2147483659" r:id="rId11"/>
-    <p:sldLayoutId id="2147483660" r:id="rId12"/>
+    <p:sldLayoutId id="2147483649" r:id="rId2"/>
+    <p:sldLayoutId id="2147483650" r:id="rId3"/>
+    <p:sldLayoutId id="2147483651" r:id="rId4"/>
+    <p:sldLayoutId id="2147483652" r:id="rId5"/>
+    <p:sldLayoutId id="2147483653" r:id="rId6"/>
+    <p:sldLayoutId id="2147483654" r:id="rId7"/>
+    <p:sldLayoutId id="2147483655" r:id="rId8"/>
+    <p:sldLayoutId id="2147483656" r:id="rId9"/>
+    <p:sldLayoutId id="2147483657" r:id="rId10"/>
+    <p:sldLayoutId id="2147483658" r:id="rId11"/>
+    <p:sldLayoutId id="2147483659" r:id="rId12"/>
+    <p:sldLayoutId id="2147483660" r:id="rId13"/>
   </p:sldLayoutIdLst>
-  <p:txStyles>
-    <p:titleStyle>
-      <a:lvl1pPr algn="l" defTabSz="914400" rtl="0" eaLnBrk="1" latinLnBrk="0" hangingPunct="1">
-        <a:lnSpc>
-          <a:spcPct val="90000"/>
-        </a:lnSpc>
-        <a:spcBef>
-          <a:spcPct val="0"/>
-        </a:spcBef>
-        <a:buNone/>
-        <a:defRPr sz="4400" kern="1200">
-          <a:solidFill>
-            <a:schemeClr val="tx1"/>
-          </a:solidFill>
-          <a:latin typeface="+mj-lt"/>
-          <a:ea typeface="+mj-ea"/>
-          <a:cs typeface="+mj-cs"/>
-        </a:defRPr>
-      </a:lvl1pPr>
-    </p:titleStyle>
-    <p:bodyStyle>
-      <a:lvl1pPr marL="228600" indent="-228600" algn="l" defTabSz="914400" rtl="0" eaLnBrk="1" latinLnBrk="0" hangingPunct="1">
-        <a:lnSpc>
-          <a:spcPct val="90000"/>
-        </a:lnSpc>
-        <a:spcBef>
-          <a:spcPts val="1000"/>
-        </a:spcBef>
-        <a:buFont typeface="Arial" panose="020B0604020202020204" pitchFamily="34" charset="0"/>
-        <a:buChar char="•"/>
-        <a:defRPr sz="2800" kern="1200">
-          <a:solidFill>
-            <a:schemeClr val="tx1"/>
-          </a:solidFill>
-          <a:latin typeface="+mn-lt"/>
-          <a:ea typeface="+mn-ea"/>
-          <a:cs typeface="+mn-cs"/>
-        </a:defRPr>
-      </a:lvl1pPr>
-      <a:lvl2pPr marL="685800" indent="-228600" algn="l" defTabSz="914400" rtl="0" eaLnBrk="1" latinLnBrk="0" hangingPunct="1">
-        <a:lnSpc>
-          <a:spcPct val="90000"/>
-        </a:lnSpc>
-        <a:spcBef>
-          <a:spcPts val="500"/>
-        </a:spcBef>
-        <a:buFont typeface="Arial" panose="020B0604020202020204" pitchFamily="34" charset="0"/>
-        <a:buChar char="•"/>
-        <a:defRPr sz="2400" kern="1200">
-          <a:solidFill>
-            <a:schemeClr val="tx1"/>
-          </a:solidFill>
-          <a:latin typeface="+mn-lt"/>
-          <a:ea typeface="+mn-ea"/>
-          <a:cs typeface="+mn-cs"/>
-        </a:defRPr>
-      </a:lvl2pPr>
-      <a:lvl3pPr marL="1143000" indent="-228600" algn="l" defTabSz="914400" rtl="0" eaLnBrk="1" latinLnBrk="0" hangingPunct="1">
-        <a:lnSpc>
-          <a:spcPct val="90000"/>
-        </a:lnSpc>
-        <a:spcBef>
-          <a:spcPts val="500"/>
-        </a:spcBef>
-        <a:buFont typeface="Arial" panose="020B0604020202020204" pitchFamily="34" charset="0"/>
-        <a:buChar char="•"/>
-        <a:defRPr sz="2000" kern="1200">
-          <a:solidFill>
-            <a:schemeClr val="tx1"/>
-          </a:solidFill>
-          <a:latin typeface="+mn-lt"/>
-          <a:ea typeface="+mn-ea"/>
-          <a:cs typeface="+mn-cs"/>
-        </a:defRPr>
-      </a:lvl3pPr>
-      <a:lvl4pPr marL="1600200" indent="-228600" algn="l" defTabSz="914400" rtl="0" eaLnBrk="1" latinLnBrk="0" hangingPunct="1">
-        <a:lnSpc>
-          <a:spcPct val="90000"/>
-        </a:lnSpc>
-        <a:spcBef>
-          <a:spcPts val="500"/>
-        </a:spcBef>
-        <a:buFont typeface="Arial" panose="020B0604020202020204" pitchFamily="34" charset="0"/>
-        <a:buChar char="•"/>
-        <a:defRPr sz="1800" kern="1200">
-          <a:solidFill>
-            <a:schemeClr val="tx1"/>
-          </a:solidFill>
-          <a:latin typeface="+mn-lt"/>
-          <a:ea typeface="+mn-ea"/>
-          <a:cs typeface="+mn-cs"/>
-        </a:defRPr>
-      </a:lvl4pPr>
-      <a:lvl5pPr marL="2057400" indent="-228600" algn="l" defTabSz="914400" rtl="0" eaLnBrk="1" latinLnBrk="0" hangingPunct="1">
-        <a:lnSpc>
-          <a:spcPct val="90000"/>
-        </a:lnSpc>
-        <a:spcBef>
-          <a:spcPts val="500"/>
-        </a:spcBef>
-        <a:buFont typeface="Arial" panose="020B0604020202020204" pitchFamily="34" charset="0"/>
-        <a:buChar char="•"/>
-        <a:defRPr sz="1800" kern="1200">
-          <a:solidFill>
-            <a:schemeClr val="tx1"/>
-          </a:solidFill>
-          <a:latin typeface="+mn-lt"/>
-          <a:ea typeface="+mn-ea"/>
-          <a:cs typeface="+mn-cs"/>
-        </a:defRPr>
-      </a:lvl5pPr>
-      <a:lvl6pPr marL="2514600" indent="-228600" algn="l" defTabSz="914400" rtl="0" eaLnBrk="1" latinLnBrk="0" hangingPunct="1">
-        <a:lnSpc>
-          <a:spcPct val="90000"/>
-        </a:lnSpc>
-        <a:spcBef>
-          <a:spcPts val="500"/>
-        </a:spcBef>
-        <a:buFont typeface="Arial" panose="020B0604020202020204" pitchFamily="34" charset="0"/>
-        <a:buChar char="•"/>
-        <a:defRPr sz="1800" kern="1200">
-          <a:solidFill>
-            <a:schemeClr val="tx1"/>
-          </a:solidFill>
-          <a:latin typeface="+mn-lt"/>
-          <a:ea typeface="+mn-ea"/>
-          <a:cs typeface="+mn-cs"/>
-        </a:defRPr>
-      </a:lvl6pPr>
-      <a:lvl7pPr marL="2971800" indent="-228600" algn="l" defTabSz="914400" rtl="0" eaLnBrk="1" latinLnBrk="0" hangingPunct="1">
-        <a:lnSpc>
-          <a:spcPct val="90000"/>
-        </a:lnSpc>
-        <a:spcBef>
-          <a:spcPts val="500"/>
-        </a:spcBef>
-        <a:buFont typeface="Arial" panose="020B0604020202020204" pitchFamily="34" charset="0"/>
-        <a:buChar char="•"/>
-        <a:defRPr sz="1800" kern="1200">
-          <a:solidFill>
-            <a:schemeClr val="tx1"/>
-          </a:solidFill>
-          <a:latin typeface="+mn-lt"/>
-          <a:ea typeface="+mn-ea"/>
-          <a:cs typeface="+mn-cs"/>
-        </a:defRPr>
-      </a:lvl7pPr>
-      <a:lvl8pPr marL="3429000" indent="-228600" algn="l" defTabSz="914400" rtl="0" eaLnBrk="1" latinLnBrk="0" hangingPunct="1">
-        <a:lnSpc>
-          <a:spcPct val="90000"/>
-        </a:lnSpc>
-        <a:spcBef>
-          <a:spcPts val="500"/>
-        </a:spcBef>
-        <a:buFont typeface="Arial" panose="020B0604020202020204" pitchFamily="34" charset="0"/>
-        <a:buChar char="•"/>
-        <a:defRPr sz="1800" kern="1200">
-          <a:solidFill>
-            <a:schemeClr val="tx1"/>
-          </a:solidFill>
-          <a:latin typeface="+mn-lt"/>
-          <a:ea typeface="+mn-ea"/>
-          <a:cs typeface="+mn-cs"/>
-        </a:defRPr>
-      </a:lvl8pPr>
-      <a:lvl9pPr marL="3886200" indent="-228600" algn="l" defTabSz="914400" rtl="0" eaLnBrk="1" latinLnBrk="0" hangingPunct="1">
-        <a:lnSpc>
-          <a:spcPct val="90000"/>
-        </a:lnSpc>
-        <a:spcBef>
-          <a:spcPts val="500"/>
-        </a:spcBef>
-        <a:buFont typeface="Arial" panose="020B0604020202020204" pitchFamily="34" charset="0"/>
-        <a:buChar char="•"/>
-        <a:defRPr sz="1800" kern="1200">
-          <a:solidFill>
-            <a:schemeClr val="tx1"/>
-          </a:solidFill>
-          <a:latin typeface="+mn-lt"/>
-          <a:ea typeface="+mn-ea"/>
-          <a:cs typeface="+mn-cs"/>
-        </a:defRPr>
-      </a:lvl9pPr>
-    </p:bodyStyle>
-    <p:otherStyle>
-      <a:defPPr>
-        <a:defRPr lang="en-US"/>
-      </a:defPPr>
-      <a:lvl1pPr marL="0" algn="l" defTabSz="914400" rtl="0" eaLnBrk="1" latinLnBrk="0" hangingPunct="1">
-        <a:defRPr sz="1800" kern="1200">
-          <a:solidFill>
-            <a:schemeClr val="tx1"/>
-          </a:solidFill>
-          <a:latin typeface="+mn-lt"/>
-          <a:ea typeface="+mn-ea"/>
-          <a:cs typeface="+mn-cs"/>
-        </a:defRPr>
-      </a:lvl1pPr>
-      <a:lvl2pPr marL="457200" algn="l" defTabSz="914400" rtl="0" eaLnBrk="1" latinLnBrk="0" hangingPunct="1">
-        <a:defRPr sz="1800" kern="1200">
-          <a:solidFill>
-            <a:schemeClr val="tx1"/>
-          </a:solidFill>
-          <a:latin typeface="+mn-lt"/>
-          <a:ea typeface="+mn-ea"/>
-          <a:cs typeface="+mn-cs"/>
-        </a:defRPr>
-      </a:lvl2pPr>
-      <a:lvl3pPr marL="914400" algn="l" defTabSz="914400" rtl="0" eaLnBrk="1" latinLnBrk="0" hangingPunct="1">
-        <a:defRPr sz="1800" kern="1200">
-          <a:solidFill>
-            <a:schemeClr val="tx1"/>
-          </a:solidFill>
-          <a:latin typeface="+mn-lt"/>
-          <a:ea typeface="+mn-ea"/>
-          <a:cs typeface="+mn-cs"/>
-        </a:defRPr>
-      </a:lvl3pPr>
-      <a:lvl4pPr marL="1371600" algn="l" defTabSz="914400" rtl="0" eaLnBrk="1" latinLnBrk="0" hangingPunct="1">
-        <a:defRPr sz="1800" kern="1200">
-          <a:solidFill>
-            <a:schemeClr val="tx1"/>
-          </a:solidFill>
-          <a:latin typeface="+mn-lt"/>
-          <a:ea typeface="+mn-ea"/>
-          <a:cs typeface="+mn-cs"/>
-        </a:defRPr>
-      </a:lvl4pPr>
-      <a:lvl5pPr marL="1828800" algn="l" defTabSz="914400" rtl="0" eaLnBrk="1" latinLnBrk="0" hangingPunct="1">
-        <a:defRPr sz="1800" kern="1200">
-          <a:solidFill>
-            <a:schemeClr val="tx1"/>
-          </a:solidFill>
-          <a:latin typeface="+mn-lt"/>
-          <a:ea typeface="+mn-ea"/>
-          <a:cs typeface="+mn-cs"/>
-        </a:defRPr>
-      </a:lvl5pPr>
-      <a:lvl6pPr marL="2286000" algn="l" defTabSz="914400" rtl="0" eaLnBrk="1" latinLnBrk="0" hangingPunct="1">
-        <a:defRPr sz="1800" kern="1200">
-          <a:solidFill>
-            <a:schemeClr val="tx1"/>
-          </a:solidFill>
-          <a:latin typeface="+mn-lt"/>
-          <a:ea typeface="+mn-ea"/>
-          <a:cs typeface="+mn-cs"/>
-        </a:defRPr>
-      </a:lvl6pPr>
-      <a:lvl7pPr marL="2743200" algn="l" defTabSz="914400" rtl="0" eaLnBrk="1" latinLnBrk="0" hangingPunct="1">
-        <a:defRPr sz="1800" kern="1200">
-          <a:solidFill>
-            <a:schemeClr val="tx1"/>
-          </a:solidFill>
-          <a:latin typeface="+mn-lt"/>
-          <a:ea typeface="+mn-ea"/>
-          <a:cs typeface="+mn-cs"/>
-        </a:defRPr>
-      </a:lvl7pPr>
-      <a:lvl8pPr marL="3200400" algn="l" defTabSz="914400" rtl="0" eaLnBrk="1" latinLnBrk="0" hangingPunct="1">
-        <a:defRPr sz="1800" kern="1200">
-          <a:solidFill>
-            <a:schemeClr val="tx1"/>
-          </a:solidFill>
-          <a:latin typeface="+mn-lt"/>
-          <a:ea typeface="+mn-ea"/>
-          <a:cs typeface="+mn-cs"/>
-        </a:defRPr>
-      </a:lvl8pPr>
-      <a:lvl9pPr marL="3657600" algn="l" defTabSz="914400" rtl="0" eaLnBrk="1" latinLnBrk="0" hangingPunct="1">
-        <a:defRPr sz="1800" kern="1200">
-          <a:solidFill>
-            <a:schemeClr val="tx1"/>
-          </a:solidFill>
-          <a:latin typeface="+mn-lt"/>
-          <a:ea typeface="+mn-ea"/>
-          <a:cs typeface="+mn-cs"/>
-        </a:defRPr>
-      </a:lvl9pPr>
-    </p:otherStyle>
-  </p:txStyles>
 </p:sldMaster>
 </file>
 
 <file path=ppt/slides/slide1.xml><?xml version="1.0" encoding="utf-8"?>
-<p:sld xmlns:a="http://schemas.openxmlformats.org/drawingml/2006/main" xmlns:r="http://schemas.openxmlformats.org/officeDocument/2006/relationships" xmlns:p="http://schemas.openxmlformats.org/presentationml/2006/main">
+<p:sld xmlns:a="http://schemas.openxmlformats.org/drawingml/2006/main" xmlns:p="http://schemas.openxmlformats.org/presentationml/2006/main" xmlns:r="http://schemas.openxmlformats.org/officeDocument/2006/relationships">
   <p:cSld>
     <p:spTree>
       <p:nvGrpSpPr>
@@ -1940,56 +1385,46 @@
       </p:grpSpPr>
       <p:sp>
         <p:nvSpPr>
-          <p:cNvPr id="39" name="TextShape 1"/>
-          <p:cNvSpPr txBox="1"/>
+          <p:cNvPr id="36" name="CustomShape 1"/>
+          <p:cNvSpPr/>
           <p:nvPr/>
         </p:nvSpPr>
         <p:spPr>
           <a:xfrm>
             <a:off x="504000" y="301320"/>
-            <a:ext cx="9071640" cy="1262160"/>
-          </a:xfrm>
-          <a:prstGeom prst="rect">
-            <a:avLst/>
-          </a:prstGeom>
-        </p:spPr>
-        <p:txBody>
-          <a:bodyPr lIns="0" tIns="0" rIns="0" bIns="0" anchor="ctr"/>
-          <a:lstStyle/>
-          <a:p>
-            <a:pPr algn="ctr"/>
-            <a:endParaRPr/>
-          </a:p>
-        </p:txBody>
-      </p:sp>
-      <p:sp>
-        <p:nvSpPr>
-          <p:cNvPr id="40" name="TextShape 2"/>
-          <p:cNvSpPr txBox="1"/>
+            <a:ext cx="9071280" cy="1261800"/>
+          </a:xfrm>
+          <a:prstGeom prst="rect">
+            <a:avLst/>
+          </a:prstGeom>
+          <a:noFill/>
+          <a:ln>
+            <a:noFill/>
+          </a:ln>
+        </p:spPr>
+      </p:sp>
+      <p:sp>
+        <p:nvSpPr>
+          <p:cNvPr id="37" name="CustomShape 2"/>
+          <p:cNvSpPr/>
           <p:nvPr/>
         </p:nvSpPr>
         <p:spPr>
           <a:xfrm>
             <a:off x="504000" y="1769040"/>
-            <a:ext cx="9071640" cy="4384440"/>
-          </a:xfrm>
-          <a:prstGeom prst="rect">
-            <a:avLst/>
-          </a:prstGeom>
-        </p:spPr>
-        <p:txBody>
-          <a:bodyPr lIns="0" tIns="0" rIns="0" bIns="0"/>
-          <a:lstStyle/>
-          <a:p>
-            <a:endParaRPr/>
-          </a:p>
-        </p:txBody>
+            <a:ext cx="9071280" cy="4384080"/>
+          </a:xfrm>
+          <a:prstGeom prst="rect">
+            <a:avLst/>
+          </a:prstGeom>
+          <a:noFill/>
+          <a:ln>
+            <a:noFill/>
+          </a:ln>
+        </p:spPr>
       </p:sp>
     </p:spTree>
   </p:cSld>
-  <p:clrMapOvr>
-    <a:masterClrMapping/>
-  </p:clrMapOvr>
   <p:timing>
     <p:tnLst>
       <p:par>
@@ -1998,14 +1433,14 @@
             <p:seq>
               <p:cTn id="2" nodeType="mainSeq"/>
               <p:prevCondLst>
-                <p:cond evt="onPrev" delay="0">
+                <p:cond delay="0" evt="onPrev">
                   <p:tgtEl>
                     <p:sldTgt/>
                   </p:tgtEl>
                 </p:cond>
               </p:prevCondLst>
               <p:nextCondLst>
-                <p:cond evt="onNext" delay="0">
+                <p:cond delay="0" evt="onNext">
                   <p:tgtEl>
                     <p:sldTgt/>
                   </p:tgtEl>
@@ -2021,7 +1456,7 @@
 </file>
 
 <file path=ppt/slides/slide10.xml><?xml version="1.0" encoding="utf-8"?>
-<p:sld xmlns:a="http://schemas.openxmlformats.org/drawingml/2006/main" xmlns:r="http://schemas.openxmlformats.org/officeDocument/2006/relationships" xmlns:p="http://schemas.openxmlformats.org/presentationml/2006/main">
+<p:sld xmlns:a="http://schemas.openxmlformats.org/drawingml/2006/main" xmlns:p="http://schemas.openxmlformats.org/presentationml/2006/main" xmlns:r="http://schemas.openxmlformats.org/officeDocument/2006/relationships">
   <p:cSld>
     <p:spTree>
       <p:nvGrpSpPr>
@@ -2039,27 +1474,38 @@
       </p:grpSpPr>
       <p:sp>
         <p:nvSpPr>
-          <p:cNvPr id="62" name="TextShape 1"/>
-          <p:cNvSpPr txBox="1"/>
+          <p:cNvPr id="59" name="CustomShape 1"/>
+          <p:cNvSpPr/>
           <p:nvPr/>
         </p:nvSpPr>
         <p:spPr>
           <a:xfrm>
             <a:off x="504000" y="301320"/>
-            <a:ext cx="9071640" cy="1262160"/>
-          </a:xfrm>
-          <a:prstGeom prst="rect">
-            <a:avLst/>
-          </a:prstGeom>
-        </p:spPr>
-        <p:txBody>
-          <a:bodyPr lIns="0" tIns="0" rIns="0" bIns="0" anchor="ctr"/>
-          <a:lstStyle/>
-          <a:p>
-            <a:pPr algn="ctr"/>
+            <a:ext cx="9071280" cy="1261800"/>
+          </a:xfrm>
+          <a:prstGeom prst="rect">
+            <a:avLst/>
+          </a:prstGeom>
+          <a:noFill/>
+          <a:ln>
+            <a:noFill/>
+          </a:ln>
+        </p:spPr>
+        <p:txBody>
+          <a:bodyPr lIns="0" rIns="0" tIns="0" bIns="0" anchor="ctr"/>
+          <a:p>
+            <a:pPr algn="ctr">
+              <a:lnSpc>
+                <a:spcPct val="100000"/>
+              </a:lnSpc>
+            </a:pPr>
             <a:r>
               <a:rPr lang="en-US" sz="4400">
+                <a:solidFill>
+                  <a:srgbClr val="000000"/>
+                </a:solidFill>
                 <a:latin typeface="Arial"/>
+                <a:ea typeface="DejaVu Sans"/>
               </a:rPr>
               <a:t>Changing props and state</a:t>
             </a:r>
@@ -2069,59 +1515,102 @@
       </p:sp>
       <p:sp>
         <p:nvSpPr>
-          <p:cNvPr id="63" name="TextShape 2"/>
-          <p:cNvSpPr txBox="1"/>
+          <p:cNvPr id="60" name="CustomShape 2"/>
+          <p:cNvSpPr/>
           <p:nvPr/>
         </p:nvSpPr>
         <p:spPr>
           <a:xfrm>
             <a:off x="504000" y="1769040"/>
-            <a:ext cx="9071640" cy="5271840"/>
-          </a:xfrm>
-          <a:prstGeom prst="rect">
-            <a:avLst/>
-          </a:prstGeom>
-        </p:spPr>
-        <p:txBody>
-          <a:bodyPr lIns="0" tIns="0" rIns="0" bIns="0"/>
-          <a:lstStyle/>
-          <a:p>
-            <a:pPr algn="ctr"/>
-            <a:endParaRPr/>
-          </a:p>
-          <a:p>
-            <a:pPr algn="ctr"/>
-            <a:endParaRPr/>
-          </a:p>
-          <a:p>
-            <a:pPr algn="ctr"/>
-            <a:endParaRPr/>
-          </a:p>
-          <a:p>
-            <a:pPr algn="ctr"/>
-            <a:endParaRPr/>
-          </a:p>
-          <a:p>
-            <a:pPr algn="ctr"/>
-            <a:endParaRPr/>
-          </a:p>
-          <a:p>
-            <a:pPr algn="ctr"/>
-            <a:endParaRPr/>
-          </a:p>
-          <a:p>
-            <a:pPr algn="ctr"/>
-            <a:endParaRPr/>
-          </a:p>
-          <a:p>
-            <a:pPr algn="ctr"/>
-            <a:endParaRPr/>
-          </a:p>
-          <a:p>
-            <a:pPr algn="ctr"/>
+            <a:ext cx="9071280" cy="5271480"/>
+          </a:xfrm>
+          <a:prstGeom prst="rect">
+            <a:avLst/>
+          </a:prstGeom>
+          <a:noFill/>
+          <a:ln>
+            <a:noFill/>
+          </a:ln>
+        </p:spPr>
+        <p:txBody>
+          <a:bodyPr lIns="0" rIns="0" tIns="0" bIns="0"/>
+          <a:p>
+            <a:pPr algn="ctr">
+              <a:lnSpc>
+                <a:spcPct val="100000"/>
+              </a:lnSpc>
+            </a:pPr>
+            <a:endParaRPr/>
+          </a:p>
+          <a:p>
+            <a:pPr algn="ctr">
+              <a:lnSpc>
+                <a:spcPct val="100000"/>
+              </a:lnSpc>
+            </a:pPr>
+            <a:endParaRPr/>
+          </a:p>
+          <a:p>
+            <a:pPr algn="ctr">
+              <a:lnSpc>
+                <a:spcPct val="100000"/>
+              </a:lnSpc>
+            </a:pPr>
+            <a:endParaRPr/>
+          </a:p>
+          <a:p>
+            <a:pPr algn="ctr">
+              <a:lnSpc>
+                <a:spcPct val="100000"/>
+              </a:lnSpc>
+            </a:pPr>
+            <a:endParaRPr/>
+          </a:p>
+          <a:p>
+            <a:pPr algn="ctr">
+              <a:lnSpc>
+                <a:spcPct val="100000"/>
+              </a:lnSpc>
+            </a:pPr>
+            <a:endParaRPr/>
+          </a:p>
+          <a:p>
+            <a:pPr algn="ctr">
+              <a:lnSpc>
+                <a:spcPct val="100000"/>
+              </a:lnSpc>
+            </a:pPr>
+            <a:endParaRPr/>
+          </a:p>
+          <a:p>
+            <a:pPr algn="ctr">
+              <a:lnSpc>
+                <a:spcPct val="100000"/>
+              </a:lnSpc>
+            </a:pPr>
+            <a:endParaRPr/>
+          </a:p>
+          <a:p>
+            <a:pPr algn="ctr">
+              <a:lnSpc>
+                <a:spcPct val="100000"/>
+              </a:lnSpc>
+            </a:pPr>
+            <a:endParaRPr/>
+          </a:p>
+          <a:p>
+            <a:pPr algn="ctr">
+              <a:lnSpc>
+                <a:spcPct val="100000"/>
+              </a:lnSpc>
+            </a:pPr>
             <a:r>
               <a:rPr lang="en-US" sz="2600">
+                <a:solidFill>
+                  <a:srgbClr val="000000"/>
+                </a:solidFill>
                 <a:latin typeface="Arial"/>
+                <a:ea typeface="DejaVu Sans"/>
               </a:rPr>
               <a:t>Figure 5.</a:t>
             </a:r>
@@ -2131,12 +1620,12 @@
       </p:sp>
       <p:pic>
         <p:nvPicPr>
-          <p:cNvPr id="64" name="Picture 63"/>
+          <p:cNvPr id="61" name="Picture 63" descr=""/>
           <p:cNvPicPr/>
           <p:nvPr/>
         </p:nvPicPr>
         <p:blipFill>
-          <a:blip r:embed="rId2"/>
+          <a:blip r:embed="rId1"/>
           <a:stretch>
             <a:fillRect/>
           </a:stretch>
@@ -2144,7 +1633,7 @@
         <p:spPr>
           <a:xfrm>
             <a:off x="1828800" y="1563480"/>
-            <a:ext cx="6400800" cy="4105800"/>
+            <a:ext cx="6400440" cy="4105440"/>
           </a:xfrm>
           <a:prstGeom prst="rect">
             <a:avLst/>
@@ -2156,14 +1645,38 @@
       </p:pic>
     </p:spTree>
   </p:cSld>
-  <p:clrMapOvr>
-    <a:masterClrMapping/>
-  </p:clrMapOvr>
+  <p:timing>
+    <p:tnLst>
+      <p:par>
+        <p:cTn id="19" dur="indefinite" restart="never" nodeType="tmRoot">
+          <p:childTnLst>
+            <p:seq>
+              <p:cTn id="20" nodeType="mainSeq"/>
+              <p:prevCondLst>
+                <p:cond delay="0" evt="onPrev">
+                  <p:tgtEl>
+                    <p:sldTgt/>
+                  </p:tgtEl>
+                </p:cond>
+              </p:prevCondLst>
+              <p:nextCondLst>
+                <p:cond delay="0" evt="onNext">
+                  <p:tgtEl>
+                    <p:sldTgt/>
+                  </p:tgtEl>
+                </p:cond>
+              </p:nextCondLst>
+            </p:seq>
+          </p:childTnLst>
+        </p:cTn>
+      </p:par>
+    </p:tnLst>
+  </p:timing>
 </p:sld>
 </file>
 
 <file path=ppt/slides/slide2.xml><?xml version="1.0" encoding="utf-8"?>
-<p:sld xmlns:a="http://schemas.openxmlformats.org/drawingml/2006/main" xmlns:r="http://schemas.openxmlformats.org/officeDocument/2006/relationships" xmlns:p="http://schemas.openxmlformats.org/presentationml/2006/main">
+<p:sld xmlns:a="http://schemas.openxmlformats.org/drawingml/2006/main" xmlns:p="http://schemas.openxmlformats.org/presentationml/2006/main" xmlns:r="http://schemas.openxmlformats.org/officeDocument/2006/relationships">
   <p:cSld>
     <p:spTree>
       <p:nvGrpSpPr>
@@ -2181,27 +1694,38 @@
       </p:grpSpPr>
       <p:sp>
         <p:nvSpPr>
-          <p:cNvPr id="41" name="TextShape 1"/>
-          <p:cNvSpPr txBox="1"/>
+          <p:cNvPr id="38" name="CustomShape 1"/>
+          <p:cNvSpPr/>
           <p:nvPr/>
         </p:nvSpPr>
         <p:spPr>
           <a:xfrm>
             <a:off x="504000" y="301320"/>
-            <a:ext cx="9071640" cy="1262160"/>
-          </a:xfrm>
-          <a:prstGeom prst="rect">
-            <a:avLst/>
-          </a:prstGeom>
-        </p:spPr>
-        <p:txBody>
-          <a:bodyPr lIns="0" tIns="0" rIns="0" bIns="0" anchor="ctr"/>
-          <a:lstStyle/>
-          <a:p>
-            <a:pPr algn="ctr"/>
+            <a:ext cx="9071280" cy="1261800"/>
+          </a:xfrm>
+          <a:prstGeom prst="rect">
+            <a:avLst/>
+          </a:prstGeom>
+          <a:noFill/>
+          <a:ln>
+            <a:noFill/>
+          </a:ln>
+        </p:spPr>
+        <p:txBody>
+          <a:bodyPr lIns="0" rIns="0" tIns="0" bIns="0" anchor="ctr"/>
+          <a:p>
+            <a:pPr algn="ctr">
+              <a:lnSpc>
+                <a:spcPct val="100000"/>
+              </a:lnSpc>
+            </a:pPr>
             <a:r>
               <a:rPr lang="en-US" sz="4400">
+                <a:solidFill>
+                  <a:srgbClr val="000000"/>
+                </a:solidFill>
                 <a:latin typeface="Arial"/>
+                <a:ea typeface="DejaVu Sans"/>
               </a:rPr>
               <a:t>What is React?</a:t>
             </a:r>
@@ -2211,121 +1735,133 @@
       </p:sp>
       <p:sp>
         <p:nvSpPr>
-          <p:cNvPr id="42" name="TextShape 2"/>
-          <p:cNvSpPr txBox="1"/>
+          <p:cNvPr id="39" name="CustomShape 2"/>
+          <p:cNvSpPr/>
           <p:nvPr/>
         </p:nvSpPr>
         <p:spPr>
           <a:xfrm>
             <a:off x="504000" y="1769040"/>
-            <a:ext cx="9071640" cy="5363280"/>
-          </a:xfrm>
-          <a:prstGeom prst="rect">
-            <a:avLst/>
-          </a:prstGeom>
-        </p:spPr>
-        <p:txBody>
-          <a:bodyPr lIns="0" tIns="0" rIns="0" bIns="0" anchor="ctr"/>
-          <a:lstStyle/>
+            <a:ext cx="9071280" cy="5362920"/>
+          </a:xfrm>
+          <a:prstGeom prst="rect">
+            <a:avLst/>
+          </a:prstGeom>
+          <a:noFill/>
+          <a:ln>
+            <a:noFill/>
+          </a:ln>
+        </p:spPr>
+        <p:txBody>
+          <a:bodyPr lIns="0" rIns="0" tIns="0" bIns="0"/>
           <a:p>
             <a:pPr algn="just">
-              <a:buSzPct val="45000"/>
+              <a:lnSpc>
+                <a:spcPct val="100000"/>
+              </a:lnSpc>
             </a:pPr>
             <a:r>
-              <a:rPr lang="en-US" sz="2400" dirty="0">
+              <a:rPr lang="en-US" sz="2600">
+                <a:solidFill>
+                  <a:srgbClr val="000000"/>
+                </a:solidFill>
                 <a:latin typeface="Arial"/>
+                <a:ea typeface="DejaVu Sans"/>
               </a:rPr>
-              <a:t>React is front end library developed by Facebook. It's used for handling view layer for web and mobile apps. </a:t>
+              <a:t>React is front end library developed by Facebook. It's used for handling view layer for web and mobile apps. ReactJS allows us to create reusable UI components.</a:t>
             </a:r>
+            <a:endParaRPr/>
+          </a:p>
+          <a:p>
+            <a:pPr algn="just">
+              <a:lnSpc>
+                <a:spcPct val="100000"/>
+              </a:lnSpc>
+            </a:pPr>
             <a:r>
-              <a:rPr lang="en-US" sz="2400" dirty="0" err="1">
+              <a:rPr lang="en-US" sz="2600">
+                <a:solidFill>
+                  <a:srgbClr val="000000"/>
+                </a:solidFill>
                 <a:latin typeface="Arial"/>
-              </a:rPr>
-              <a:t>ReactJS</a:t>
-            </a:r>
-            <a:r>
-              <a:rPr lang="en-US" sz="2400" dirty="0">
-                <a:latin typeface="Arial"/>
-              </a:rPr>
-              <a:t> allows us to create reusable UI components.</a:t>
-            </a:r>
-            <a:endParaRPr dirty="0"/>
-          </a:p>
-          <a:p>
-            <a:pPr algn="just">
-              <a:buSzPct val="45000"/>
-            </a:pPr>
-            <a:r>
-              <a:rPr lang="en-US" sz="2400" dirty="0">
-                <a:latin typeface="Arial"/>
+                <a:ea typeface="DejaVu Sans"/>
               </a:rPr>
               <a:t>One might think of it as the “View” in the “Model-View-Controller” pattern.</a:t>
             </a:r>
-            <a:endParaRPr dirty="0"/>
+            <a:endParaRPr/>
           </a:p>
           <a:p>
             <a:pPr algn="just">
-              <a:buSzPct val="45000"/>
+              <a:lnSpc>
+                <a:spcPct val="100000"/>
+              </a:lnSpc>
             </a:pPr>
             <a:r>
-              <a:rPr lang="en-US" sz="2400" dirty="0">
+              <a:rPr lang="en-US" sz="2600">
+                <a:solidFill>
+                  <a:srgbClr val="000000"/>
+                </a:solidFill>
                 <a:latin typeface="Arial"/>
+                <a:ea typeface="DejaVu Sans"/>
               </a:rPr>
               <a:t>Open source, It is used at Facebook in production, and Instagram.com.</a:t>
             </a:r>
-            <a:endParaRPr dirty="0"/>
+            <a:endParaRPr/>
           </a:p>
           <a:p>
             <a:pPr algn="just">
-              <a:buSzPct val="45000"/>
+              <a:lnSpc>
+                <a:spcPct val="100000"/>
+              </a:lnSpc>
             </a:pPr>
             <a:r>
-              <a:rPr lang="en-US" sz="2400" dirty="0">
+              <a:rPr lang="en-US" sz="2600">
+                <a:solidFill>
+                  <a:srgbClr val="000000"/>
+                </a:solidFill>
                 <a:latin typeface="Arial"/>
+                <a:ea typeface="DejaVu Sans"/>
               </a:rPr>
               <a:t>It not only render on the customer, but also render on servers.</a:t>
             </a:r>
-            <a:endParaRPr dirty="0"/>
+            <a:endParaRPr/>
           </a:p>
           <a:p>
             <a:pPr algn="just">
-              <a:buSzPct val="45000"/>
-              <a:buFont typeface="StarSymbol"/>
-              <a:buChar char=""/>
-            </a:pPr>
-            <a:endParaRPr dirty="0"/>
+              <a:lnSpc>
+                <a:spcPct val="100000"/>
+              </a:lnSpc>
+            </a:pPr>
+            <a:endParaRPr/>
           </a:p>
           <a:p>
             <a:pPr algn="just">
-              <a:buSzPct val="45000"/>
-              <a:buFont typeface="StarSymbol"/>
-              <a:buChar char=""/>
-            </a:pPr>
-            <a:endParaRPr dirty="0"/>
+              <a:lnSpc>
+                <a:spcPct val="100000"/>
+              </a:lnSpc>
+            </a:pPr>
+            <a:endParaRPr/>
           </a:p>
         </p:txBody>
       </p:sp>
     </p:spTree>
   </p:cSld>
-  <p:clrMapOvr>
-    <a:masterClrMapping/>
-  </p:clrMapOvr>
   <p:timing>
     <p:tnLst>
       <p:par>
-        <p:cTn id="1" dur="indefinite" restart="never" nodeType="tmRoot">
+        <p:cTn id="3" dur="indefinite" restart="never" nodeType="tmRoot">
           <p:childTnLst>
             <p:seq>
-              <p:cTn id="2" nodeType="mainSeq"/>
+              <p:cTn id="4" nodeType="mainSeq"/>
               <p:prevCondLst>
-                <p:cond evt="onPrev" delay="0">
+                <p:cond delay="0" evt="onPrev">
                   <p:tgtEl>
                     <p:sldTgt/>
                   </p:tgtEl>
                 </p:cond>
               </p:prevCondLst>
               <p:nextCondLst>
-                <p:cond evt="onNext" delay="0">
+                <p:cond delay="0" evt="onNext">
                   <p:tgtEl>
                     <p:sldTgt/>
                   </p:tgtEl>
@@ -2341,7 +1877,7 @@
 </file>
 
 <file path=ppt/slides/slide3.xml><?xml version="1.0" encoding="utf-8"?>
-<p:sld xmlns:a="http://schemas.openxmlformats.org/drawingml/2006/main" xmlns:r="http://schemas.openxmlformats.org/officeDocument/2006/relationships" xmlns:p="http://schemas.openxmlformats.org/presentationml/2006/main">
+<p:sld xmlns:a="http://schemas.openxmlformats.org/drawingml/2006/main" xmlns:p="http://schemas.openxmlformats.org/presentationml/2006/main" xmlns:r="http://schemas.openxmlformats.org/officeDocument/2006/relationships">
   <p:cSld>
     <p:spTree>
       <p:nvGrpSpPr>
@@ -2359,27 +1895,38 @@
       </p:grpSpPr>
       <p:sp>
         <p:nvSpPr>
-          <p:cNvPr id="43" name="TextShape 1"/>
-          <p:cNvSpPr txBox="1"/>
+          <p:cNvPr id="40" name="CustomShape 1"/>
+          <p:cNvSpPr/>
           <p:nvPr/>
         </p:nvSpPr>
         <p:spPr>
           <a:xfrm>
             <a:off x="504000" y="301320"/>
-            <a:ext cx="9071640" cy="1262160"/>
-          </a:xfrm>
-          <a:prstGeom prst="rect">
-            <a:avLst/>
-          </a:prstGeom>
-        </p:spPr>
-        <p:txBody>
-          <a:bodyPr lIns="0" tIns="0" rIns="0" bIns="0" anchor="ctr"/>
-          <a:lstStyle/>
-          <a:p>
-            <a:pPr algn="ctr"/>
+            <a:ext cx="9071280" cy="1261800"/>
+          </a:xfrm>
+          <a:prstGeom prst="rect">
+            <a:avLst/>
+          </a:prstGeom>
+          <a:noFill/>
+          <a:ln>
+            <a:noFill/>
+          </a:ln>
+        </p:spPr>
+        <p:txBody>
+          <a:bodyPr lIns="0" rIns="0" tIns="0" bIns="0" anchor="ctr"/>
+          <a:p>
+            <a:pPr algn="ctr">
+              <a:lnSpc>
+                <a:spcPct val="100000"/>
+              </a:lnSpc>
+            </a:pPr>
             <a:r>
               <a:rPr lang="en-US" sz="3200">
+                <a:solidFill>
+                  <a:srgbClr val="000000"/>
+                </a:solidFill>
                 <a:latin typeface="Arial"/>
+                <a:ea typeface="DejaVu Sans"/>
               </a:rPr>
               <a:t>How the Magic Happens</a:t>
             </a:r>
@@ -2389,79 +1936,89 @@
       </p:sp>
       <p:sp>
         <p:nvSpPr>
-          <p:cNvPr id="44" name="TextShape 2"/>
-          <p:cNvSpPr txBox="1"/>
+          <p:cNvPr id="41" name="CustomShape 2"/>
+          <p:cNvSpPr/>
           <p:nvPr/>
         </p:nvSpPr>
         <p:spPr>
           <a:xfrm>
             <a:off x="504000" y="1769040"/>
-            <a:ext cx="9071640" cy="4384440"/>
-          </a:xfrm>
-          <a:prstGeom prst="rect">
-            <a:avLst/>
-          </a:prstGeom>
-        </p:spPr>
-        <p:txBody>
-          <a:bodyPr lIns="0" tIns="0" rIns="0" bIns="0"/>
-          <a:lstStyle/>
+            <a:ext cx="9071280" cy="4384080"/>
+          </a:xfrm>
+          <a:prstGeom prst="rect">
+            <a:avLst/>
+          </a:prstGeom>
+          <a:noFill/>
+          <a:ln>
+            <a:noFill/>
+          </a:ln>
+        </p:spPr>
+        <p:txBody>
+          <a:bodyPr lIns="0" rIns="0" tIns="0" bIns="0"/>
           <a:p>
             <a:pPr>
+              <a:lnSpc>
+                <a:spcPct val="100000"/>
+              </a:lnSpc>
+            </a:pPr>
+            <a:endParaRPr/>
+          </a:p>
+          <a:p>
+            <a:pPr>
+              <a:lnSpc>
+                <a:spcPct val="100000"/>
+              </a:lnSpc>
+            </a:pPr>
+            <a:endParaRPr/>
+          </a:p>
+          <a:p>
+            <a:pPr>
+              <a:lnSpc>
+                <a:spcPct val="100000"/>
+              </a:lnSpc>
+            </a:pPr>
+            <a:endParaRPr/>
+          </a:p>
+          <a:p>
+            <a:pPr>
+              <a:lnSpc>
+                <a:spcPct val="100000"/>
+              </a:lnSpc>
+            </a:pPr>
+            <a:endParaRPr/>
+          </a:p>
+          <a:p>
+            <a:pPr>
+              <a:lnSpc>
+                <a:spcPct val="100000"/>
+              </a:lnSpc>
+            </a:pPr>
+            <a:endParaRPr/>
+          </a:p>
+          <a:p>
+            <a:pPr>
+              <a:lnSpc>
+                <a:spcPct val="100000"/>
+              </a:lnSpc>
+            </a:pPr>
+            <a:endParaRPr/>
+          </a:p>
+          <a:p>
+            <a:pPr algn="ctr">
+              <a:lnSpc>
+                <a:spcPct val="100000"/>
+              </a:lnSpc>
               <a:buSzPct val="45000"/>
               <a:buFont typeface="StarSymbol"/>
-              <a:buChar char=""/>
-            </a:pPr>
-            <a:endParaRPr/>
-          </a:p>
-          <a:p>
-            <a:pPr>
-              <a:buSzPct val="45000"/>
-              <a:buFont typeface="StarSymbol"/>
-              <a:buChar char=""/>
-            </a:pPr>
-            <a:endParaRPr/>
-          </a:p>
-          <a:p>
-            <a:pPr>
-              <a:buSzPct val="45000"/>
-              <a:buFont typeface="StarSymbol"/>
-              <a:buChar char=""/>
-            </a:pPr>
-            <a:endParaRPr/>
-          </a:p>
-          <a:p>
-            <a:pPr>
-              <a:buSzPct val="45000"/>
-              <a:buFont typeface="StarSymbol"/>
-              <a:buChar char=""/>
-            </a:pPr>
-            <a:endParaRPr/>
-          </a:p>
-          <a:p>
-            <a:pPr>
-              <a:buSzPct val="45000"/>
-              <a:buFont typeface="StarSymbol"/>
-              <a:buChar char=""/>
-            </a:pPr>
-            <a:endParaRPr/>
-          </a:p>
-          <a:p>
-            <a:pPr>
-              <a:buSzPct val="45000"/>
-              <a:buFont typeface="StarSymbol"/>
-              <a:buChar char=""/>
-            </a:pPr>
-            <a:endParaRPr/>
-          </a:p>
-          <a:p>
-            <a:pPr algn="ctr">
-              <a:buSzPct val="45000"/>
-              <a:buFont typeface="StarSymbol"/>
-              <a:buChar char=""/>
+              <a:buChar char="l"/>
             </a:pPr>
             <a:r>
               <a:rPr lang="en-US" sz="2400">
+                <a:solidFill>
+                  <a:srgbClr val="000000"/>
+                </a:solidFill>
                 <a:latin typeface="Arial"/>
+                <a:ea typeface="DejaVu Sans"/>
               </a:rPr>
               <a:t>Figure 1: React.js Rendering</a:t>
             </a:r>
@@ -2471,12 +2028,12 @@
       </p:sp>
       <p:pic>
         <p:nvPicPr>
-          <p:cNvPr id="45" name="Picture 44"/>
+          <p:cNvPr id="42" name="Picture 44" descr=""/>
           <p:cNvPicPr/>
           <p:nvPr/>
         </p:nvPicPr>
         <p:blipFill>
-          <a:blip r:embed="rId2"/>
+          <a:blip r:embed="rId1"/>
           <a:stretch>
             <a:fillRect/>
           </a:stretch>
@@ -2484,7 +2041,7 @@
         <p:spPr>
           <a:xfrm>
             <a:off x="1561680" y="1280160"/>
-            <a:ext cx="6995880" cy="4298040"/>
+            <a:ext cx="6995520" cy="4297680"/>
           </a:xfrm>
           <a:prstGeom prst="rect">
             <a:avLst/>
@@ -2496,25 +2053,22 @@
       </p:pic>
     </p:spTree>
   </p:cSld>
-  <p:clrMapOvr>
-    <a:masterClrMapping/>
-  </p:clrMapOvr>
   <p:timing>
     <p:tnLst>
       <p:par>
-        <p:cTn id="1" dur="indefinite" restart="never" nodeType="tmRoot">
+        <p:cTn id="5" dur="indefinite" restart="never" nodeType="tmRoot">
           <p:childTnLst>
             <p:seq>
-              <p:cTn id="2" nodeType="mainSeq"/>
+              <p:cTn id="6" nodeType="mainSeq"/>
               <p:prevCondLst>
-                <p:cond evt="onPrev" delay="0">
+                <p:cond delay="0" evt="onPrev">
                   <p:tgtEl>
                     <p:sldTgt/>
                   </p:tgtEl>
                 </p:cond>
               </p:prevCondLst>
               <p:nextCondLst>
-                <p:cond evt="onNext" delay="0">
+                <p:cond delay="0" evt="onNext">
                   <p:tgtEl>
                     <p:sldTgt/>
                   </p:tgtEl>
@@ -2530,7 +2084,7 @@
 </file>
 
 <file path=ppt/slides/slide4.xml><?xml version="1.0" encoding="utf-8"?>
-<p:sld xmlns:a="http://schemas.openxmlformats.org/drawingml/2006/main" xmlns:r="http://schemas.openxmlformats.org/officeDocument/2006/relationships" xmlns:p="http://schemas.openxmlformats.org/presentationml/2006/main">
+<p:sld xmlns:a="http://schemas.openxmlformats.org/drawingml/2006/main" xmlns:p="http://schemas.openxmlformats.org/presentationml/2006/main" xmlns:r="http://schemas.openxmlformats.org/officeDocument/2006/relationships">
   <p:cSld>
     <p:spTree>
       <p:nvGrpSpPr>
@@ -2548,27 +2102,38 @@
       </p:grpSpPr>
       <p:sp>
         <p:nvSpPr>
-          <p:cNvPr id="46" name="TextShape 1"/>
-          <p:cNvSpPr txBox="1"/>
+          <p:cNvPr id="43" name="CustomShape 1"/>
+          <p:cNvSpPr/>
           <p:nvPr/>
         </p:nvSpPr>
         <p:spPr>
           <a:xfrm>
             <a:off x="504000" y="301320"/>
-            <a:ext cx="9071640" cy="1262160"/>
-          </a:xfrm>
-          <a:prstGeom prst="rect">
-            <a:avLst/>
-          </a:prstGeom>
-        </p:spPr>
-        <p:txBody>
-          <a:bodyPr lIns="0" tIns="0" rIns="0" bIns="0" anchor="ctr"/>
-          <a:lstStyle/>
-          <a:p>
-            <a:pPr algn="ctr"/>
+            <a:ext cx="9071280" cy="1261800"/>
+          </a:xfrm>
+          <a:prstGeom prst="rect">
+            <a:avLst/>
+          </a:prstGeom>
+          <a:noFill/>
+          <a:ln>
+            <a:noFill/>
+          </a:ln>
+        </p:spPr>
+        <p:txBody>
+          <a:bodyPr lIns="0" rIns="0" tIns="0" bIns="0" anchor="ctr"/>
+          <a:p>
+            <a:pPr algn="ctr">
+              <a:lnSpc>
+                <a:spcPct val="100000"/>
+              </a:lnSpc>
+            </a:pPr>
             <a:r>
               <a:rPr lang="en-US" sz="4400">
+                <a:solidFill>
+                  <a:srgbClr val="000000"/>
+                </a:solidFill>
                 <a:latin typeface="Arial"/>
+                <a:ea typeface="DejaVu Sans"/>
               </a:rPr>
               <a:t>Virtual DOM  </a:t>
             </a:r>
@@ -2578,31 +2143,41 @@
       </p:sp>
       <p:sp>
         <p:nvSpPr>
-          <p:cNvPr id="47" name="TextShape 2"/>
-          <p:cNvSpPr txBox="1"/>
+          <p:cNvPr id="44" name="CustomShape 2"/>
+          <p:cNvSpPr/>
           <p:nvPr/>
         </p:nvSpPr>
         <p:spPr>
           <a:xfrm>
             <a:off x="504000" y="1769040"/>
-            <a:ext cx="9071640" cy="5363280"/>
-          </a:xfrm>
-          <a:prstGeom prst="rect">
-            <a:avLst/>
-          </a:prstGeom>
-        </p:spPr>
-        <p:txBody>
-          <a:bodyPr lIns="0" tIns="0" rIns="0" bIns="0"/>
-          <a:lstStyle/>
+            <a:ext cx="9071280" cy="5362920"/>
+          </a:xfrm>
+          <a:prstGeom prst="rect">
+            <a:avLst/>
+          </a:prstGeom>
+          <a:noFill/>
+          <a:ln>
+            <a:noFill/>
+          </a:ln>
+        </p:spPr>
+        <p:txBody>
+          <a:bodyPr lIns="0" rIns="0" tIns="0" bIns="0"/>
           <a:p>
             <a:pPr algn="just">
+              <a:lnSpc>
+                <a:spcPct val="100000"/>
+              </a:lnSpc>
               <a:buSzPct val="45000"/>
               <a:buFont typeface="StarSymbol"/>
-              <a:buChar char=""/>
+              <a:buChar char="l"/>
             </a:pPr>
             <a:r>
               <a:rPr lang="en-US" sz="2400">
+                <a:solidFill>
+                  <a:srgbClr val="000000"/>
+                </a:solidFill>
                 <a:latin typeface="Arial"/>
+                <a:ea typeface="DejaVu Sans"/>
               </a:rPr>
               <a:t>Another notable feature is the use of a "virtual DOM." React creates an in-memory data structure cache, computes the resulting differences, and then updates the browser's displayed DOM efficiently.</a:t>
             </a:r>
@@ -2610,13 +2185,20 @@
           </a:p>
           <a:p>
             <a:pPr algn="just">
+              <a:lnSpc>
+                <a:spcPct val="100000"/>
+              </a:lnSpc>
               <a:buSzPct val="45000"/>
               <a:buFont typeface="StarSymbol"/>
-              <a:buChar char=""/>
+              <a:buChar char="l"/>
             </a:pPr>
             <a:r>
               <a:rPr lang="en-US" sz="2400">
+                <a:solidFill>
+                  <a:srgbClr val="000000"/>
+                </a:solidFill>
                 <a:latin typeface="Arial"/>
+                <a:ea typeface="DejaVu Sans"/>
               </a:rPr>
               <a:t>The idea of Virtual DOM is great and isn’t new actually. </a:t>
             </a:r>
@@ -2624,13 +2206,20 @@
           </a:p>
           <a:p>
             <a:pPr algn="just">
+              <a:lnSpc>
+                <a:spcPct val="100000"/>
+              </a:lnSpc>
               <a:buSzPct val="45000"/>
               <a:buFont typeface="StarSymbol"/>
-              <a:buChar char=""/>
+              <a:buChar char="l"/>
             </a:pPr>
             <a:r>
               <a:rPr lang="en-US" sz="2400">
+                <a:solidFill>
+                  <a:srgbClr val="000000"/>
+                </a:solidFill>
                 <a:latin typeface="Arial"/>
+                <a:ea typeface="DejaVu Sans"/>
               </a:rPr>
               <a:t>Using libraries like React we can boost the performance of our applications and it’s actually very easy to get in.</a:t>
             </a:r>
@@ -2640,25 +2229,22 @@
       </p:sp>
     </p:spTree>
   </p:cSld>
-  <p:clrMapOvr>
-    <a:masterClrMapping/>
-  </p:clrMapOvr>
   <p:timing>
     <p:tnLst>
       <p:par>
-        <p:cTn id="1" dur="indefinite" restart="never" nodeType="tmRoot">
+        <p:cTn id="7" dur="indefinite" restart="never" nodeType="tmRoot">
           <p:childTnLst>
             <p:seq>
-              <p:cTn id="2" nodeType="mainSeq"/>
+              <p:cTn id="8" nodeType="mainSeq"/>
               <p:prevCondLst>
-                <p:cond evt="onPrev" delay="0">
+                <p:cond delay="0" evt="onPrev">
                   <p:tgtEl>
                     <p:sldTgt/>
                   </p:tgtEl>
                 </p:cond>
               </p:prevCondLst>
               <p:nextCondLst>
-                <p:cond evt="onNext" delay="0">
+                <p:cond delay="0" evt="onNext">
                   <p:tgtEl>
                     <p:sldTgt/>
                   </p:tgtEl>
@@ -2674,7 +2260,7 @@
 </file>
 
 <file path=ppt/slides/slide5.xml><?xml version="1.0" encoding="utf-8"?>
-<p:sld xmlns:a="http://schemas.openxmlformats.org/drawingml/2006/main" xmlns:r="http://schemas.openxmlformats.org/officeDocument/2006/relationships" xmlns:p="http://schemas.openxmlformats.org/presentationml/2006/main">
+<p:sld xmlns:a="http://schemas.openxmlformats.org/drawingml/2006/main" xmlns:p="http://schemas.openxmlformats.org/presentationml/2006/main" xmlns:r="http://schemas.openxmlformats.org/officeDocument/2006/relationships">
   <p:cSld>
     <p:spTree>
       <p:nvGrpSpPr>
@@ -2692,119 +2278,125 @@
       </p:grpSpPr>
       <p:sp>
         <p:nvSpPr>
-          <p:cNvPr id="48" name="TextShape 1"/>
-          <p:cNvSpPr txBox="1"/>
+          <p:cNvPr id="45" name="CustomShape 1"/>
+          <p:cNvSpPr/>
           <p:nvPr/>
         </p:nvSpPr>
         <p:spPr>
           <a:xfrm>
             <a:off x="504000" y="301320"/>
-            <a:ext cx="9071640" cy="1262160"/>
-          </a:xfrm>
-          <a:prstGeom prst="rect">
-            <a:avLst/>
-          </a:prstGeom>
-        </p:spPr>
-        <p:txBody>
-          <a:bodyPr lIns="0" tIns="0" rIns="0" bIns="0" anchor="ctr"/>
-          <a:lstStyle/>
-          <a:p>
-            <a:pPr algn="ctr"/>
-            <a:endParaRPr/>
-          </a:p>
-        </p:txBody>
-      </p:sp>
-      <p:sp>
-        <p:nvSpPr>
-          <p:cNvPr id="49" name="TextShape 2"/>
-          <p:cNvSpPr txBox="1"/>
+            <a:ext cx="9071280" cy="1261800"/>
+          </a:xfrm>
+          <a:prstGeom prst="rect">
+            <a:avLst/>
+          </a:prstGeom>
+          <a:noFill/>
+          <a:ln>
+            <a:noFill/>
+          </a:ln>
+        </p:spPr>
+      </p:sp>
+      <p:sp>
+        <p:nvSpPr>
+          <p:cNvPr id="46" name="CustomShape 2"/>
+          <p:cNvSpPr/>
           <p:nvPr/>
         </p:nvSpPr>
         <p:spPr>
           <a:xfrm>
             <a:off x="621000" y="1828800"/>
-            <a:ext cx="9071640" cy="5212080"/>
-          </a:xfrm>
-          <a:prstGeom prst="rect">
-            <a:avLst/>
-          </a:prstGeom>
-        </p:spPr>
-        <p:txBody>
-          <a:bodyPr lIns="0" tIns="0" rIns="0" bIns="0"/>
-          <a:lstStyle/>
+            <a:ext cx="9071280" cy="5211720"/>
+          </a:xfrm>
+          <a:prstGeom prst="rect">
+            <a:avLst/>
+          </a:prstGeom>
+          <a:noFill/>
+          <a:ln>
+            <a:noFill/>
+          </a:ln>
+        </p:spPr>
+        <p:txBody>
+          <a:bodyPr lIns="0" rIns="0" tIns="0" bIns="0"/>
           <a:p>
             <a:pPr>
+              <a:lnSpc>
+                <a:spcPct val="100000"/>
+              </a:lnSpc>
+            </a:pPr>
+            <a:endParaRPr/>
+          </a:p>
+          <a:p>
+            <a:pPr>
+              <a:lnSpc>
+                <a:spcPct val="100000"/>
+              </a:lnSpc>
+            </a:pPr>
+            <a:endParaRPr/>
+          </a:p>
+          <a:p>
+            <a:pPr>
+              <a:lnSpc>
+                <a:spcPct val="100000"/>
+              </a:lnSpc>
+            </a:pPr>
+            <a:endParaRPr/>
+          </a:p>
+          <a:p>
+            <a:pPr>
+              <a:lnSpc>
+                <a:spcPct val="100000"/>
+              </a:lnSpc>
+            </a:pPr>
+            <a:endParaRPr/>
+          </a:p>
+          <a:p>
+            <a:pPr>
+              <a:lnSpc>
+                <a:spcPct val="100000"/>
+              </a:lnSpc>
+            </a:pPr>
+            <a:endParaRPr/>
+          </a:p>
+          <a:p>
+            <a:pPr>
+              <a:lnSpc>
+                <a:spcPct val="100000"/>
+              </a:lnSpc>
+            </a:pPr>
+            <a:endParaRPr/>
+          </a:p>
+          <a:p>
+            <a:pPr>
+              <a:lnSpc>
+                <a:spcPct val="100000"/>
+              </a:lnSpc>
+            </a:pPr>
+            <a:endParaRPr/>
+          </a:p>
+          <a:p>
+            <a:pPr>
+              <a:lnSpc>
+                <a:spcPct val="100000"/>
+              </a:lnSpc>
+            </a:pPr>
+            <a:endParaRPr/>
+          </a:p>
+          <a:p>
+            <a:pPr algn="ctr">
+              <a:lnSpc>
+                <a:spcPct val="100000"/>
+              </a:lnSpc>
               <a:buSzPct val="45000"/>
               <a:buFont typeface="StarSymbol"/>
-              <a:buChar char=""/>
-            </a:pPr>
-            <a:endParaRPr/>
-          </a:p>
-          <a:p>
-            <a:pPr>
-              <a:buSzPct val="45000"/>
-              <a:buFont typeface="StarSymbol"/>
-              <a:buChar char=""/>
-            </a:pPr>
-            <a:endParaRPr/>
-          </a:p>
-          <a:p>
-            <a:pPr>
-              <a:buSzPct val="45000"/>
-              <a:buFont typeface="StarSymbol"/>
-              <a:buChar char=""/>
-            </a:pPr>
-            <a:endParaRPr/>
-          </a:p>
-          <a:p>
-            <a:pPr>
-              <a:buSzPct val="45000"/>
-              <a:buFont typeface="StarSymbol"/>
-              <a:buChar char=""/>
-            </a:pPr>
-            <a:endParaRPr/>
-          </a:p>
-          <a:p>
-            <a:pPr>
-              <a:buSzPct val="45000"/>
-              <a:buFont typeface="StarSymbol"/>
-              <a:buChar char=""/>
-            </a:pPr>
-            <a:endParaRPr/>
-          </a:p>
-          <a:p>
-            <a:pPr>
-              <a:buSzPct val="45000"/>
-              <a:buFont typeface="StarSymbol"/>
-              <a:buChar char=""/>
-            </a:pPr>
-            <a:endParaRPr/>
-          </a:p>
-          <a:p>
-            <a:pPr>
-              <a:buSzPct val="45000"/>
-              <a:buFont typeface="StarSymbol"/>
-              <a:buChar char=""/>
-            </a:pPr>
-            <a:endParaRPr/>
-          </a:p>
-          <a:p>
-            <a:pPr>
-              <a:buSzPct val="45000"/>
-              <a:buFont typeface="StarSymbol"/>
-              <a:buChar char=""/>
-            </a:pPr>
-            <a:endParaRPr/>
-          </a:p>
-          <a:p>
-            <a:pPr algn="ctr">
-              <a:buSzPct val="45000"/>
-              <a:buFont typeface="StarSymbol"/>
-              <a:buChar char=""/>
+              <a:buChar char="l"/>
             </a:pPr>
             <a:r>
               <a:rPr lang="en-US" sz="3200">
+                <a:solidFill>
+                  <a:srgbClr val="000000"/>
+                </a:solidFill>
                 <a:latin typeface="Arial"/>
+                <a:ea typeface="DejaVu Sans"/>
               </a:rPr>
               <a:t>Figure 2: Virtual DOM</a:t>
             </a:r>
@@ -2814,12 +2406,12 @@
       </p:sp>
       <p:pic>
         <p:nvPicPr>
-          <p:cNvPr id="50" name="Picture 49"/>
+          <p:cNvPr id="47" name="Picture 49" descr=""/>
           <p:cNvPicPr/>
           <p:nvPr/>
         </p:nvPicPr>
         <p:blipFill>
-          <a:blip r:embed="rId2"/>
+          <a:blip r:embed="rId1"/>
           <a:stretch>
             <a:fillRect/>
           </a:stretch>
@@ -2827,7 +2419,7 @@
         <p:spPr>
           <a:xfrm>
             <a:off x="1908000" y="2377440"/>
-            <a:ext cx="6032160" cy="3108960"/>
+            <a:ext cx="6031800" cy="3108600"/>
           </a:xfrm>
           <a:prstGeom prst="rect">
             <a:avLst/>
@@ -2839,25 +2431,22 @@
       </p:pic>
     </p:spTree>
   </p:cSld>
-  <p:clrMapOvr>
-    <a:masterClrMapping/>
-  </p:clrMapOvr>
   <p:timing>
     <p:tnLst>
       <p:par>
-        <p:cTn id="1" dur="indefinite" restart="never" nodeType="tmRoot">
+        <p:cTn id="9" dur="indefinite" restart="never" nodeType="tmRoot">
           <p:childTnLst>
             <p:seq>
-              <p:cTn id="2" nodeType="mainSeq"/>
+              <p:cTn id="10" nodeType="mainSeq"/>
               <p:prevCondLst>
-                <p:cond evt="onPrev" delay="0">
+                <p:cond delay="0" evt="onPrev">
                   <p:tgtEl>
                     <p:sldTgt/>
                   </p:tgtEl>
                 </p:cond>
               </p:prevCondLst>
               <p:nextCondLst>
-                <p:cond evt="onNext" delay="0">
+                <p:cond delay="0" evt="onNext">
                   <p:tgtEl>
                     <p:sldTgt/>
                   </p:tgtEl>
@@ -2873,7 +2462,7 @@
 </file>
 
 <file path=ppt/slides/slide6.xml><?xml version="1.0" encoding="utf-8"?>
-<p:sld xmlns:a="http://schemas.openxmlformats.org/drawingml/2006/main" xmlns:r="http://schemas.openxmlformats.org/officeDocument/2006/relationships" xmlns:p="http://schemas.openxmlformats.org/presentationml/2006/main">
+<p:sld xmlns:a="http://schemas.openxmlformats.org/drawingml/2006/main" xmlns:p="http://schemas.openxmlformats.org/presentationml/2006/main" xmlns:r="http://schemas.openxmlformats.org/officeDocument/2006/relationships">
   <p:cSld>
     <p:spTree>
       <p:nvGrpSpPr>
@@ -2891,55 +2480,61 @@
       </p:grpSpPr>
       <p:sp>
         <p:nvSpPr>
-          <p:cNvPr id="51" name="TextShape 1"/>
-          <p:cNvSpPr txBox="1"/>
+          <p:cNvPr id="48" name="CustomShape 1"/>
+          <p:cNvSpPr/>
           <p:nvPr/>
         </p:nvSpPr>
         <p:spPr>
           <a:xfrm>
             <a:off x="504000" y="301320"/>
-            <a:ext cx="9071640" cy="1262160"/>
-          </a:xfrm>
-          <a:prstGeom prst="rect">
-            <a:avLst/>
-          </a:prstGeom>
-        </p:spPr>
-        <p:txBody>
-          <a:bodyPr lIns="0" tIns="0" rIns="0" bIns="0" anchor="ctr"/>
-          <a:lstStyle/>
-          <a:p>
-            <a:pPr algn="ctr"/>
-            <a:endParaRPr/>
-          </a:p>
-        </p:txBody>
-      </p:sp>
-      <p:sp>
-        <p:nvSpPr>
-          <p:cNvPr id="52" name="TextShape 2"/>
-          <p:cNvSpPr txBox="1"/>
+            <a:ext cx="9071280" cy="1261800"/>
+          </a:xfrm>
+          <a:prstGeom prst="rect">
+            <a:avLst/>
+          </a:prstGeom>
+          <a:noFill/>
+          <a:ln>
+            <a:noFill/>
+          </a:ln>
+        </p:spPr>
+      </p:sp>
+      <p:sp>
+        <p:nvSpPr>
+          <p:cNvPr id="49" name="CustomShape 2"/>
+          <p:cNvSpPr/>
           <p:nvPr/>
         </p:nvSpPr>
         <p:spPr>
           <a:xfrm>
             <a:off x="504000" y="1769040"/>
-            <a:ext cx="9071640" cy="5454720"/>
-          </a:xfrm>
-          <a:prstGeom prst="rect">
-            <a:avLst/>
-          </a:prstGeom>
-        </p:spPr>
-        <p:txBody>
-          <a:bodyPr lIns="0" tIns="0" rIns="0" bIns="0"/>
-          <a:lstStyle/>
+            <a:ext cx="9071280" cy="5454360"/>
+          </a:xfrm>
+          <a:prstGeom prst="rect">
+            <a:avLst/>
+          </a:prstGeom>
+          <a:noFill/>
+          <a:ln>
+            <a:noFill/>
+          </a:ln>
+        </p:spPr>
+        <p:txBody>
+          <a:bodyPr lIns="0" rIns="0" tIns="0" bIns="0"/>
           <a:p>
             <a:pPr>
+              <a:lnSpc>
+                <a:spcPct val="100000"/>
+              </a:lnSpc>
               <a:buSzPct val="45000"/>
               <a:buFont typeface="StarSymbol"/>
-              <a:buChar char=""/>
+              <a:buChar char="l"/>
             </a:pPr>
             <a:r>
               <a:rPr lang="en-US" sz="3200">
+                <a:solidFill>
+                  <a:srgbClr val="000000"/>
+                </a:solidFill>
                 <a:latin typeface="Arial"/>
+                <a:ea typeface="DejaVu Sans"/>
               </a:rPr>
               <a:t>JSX: JavaScript syntax extension</a:t>
             </a:r>
@@ -2947,13 +2542,20 @@
           </a:p>
           <a:p>
             <a:pPr algn="just">
+              <a:lnSpc>
+                <a:spcPct val="100000"/>
+              </a:lnSpc>
               <a:buSzPct val="45000"/>
               <a:buFont typeface="StarSymbol"/>
-              <a:buChar char=""/>
+              <a:buChar char="l"/>
             </a:pPr>
             <a:r>
               <a:rPr lang="en-US" sz="2600">
+                <a:solidFill>
+                  <a:srgbClr val="000000"/>
+                </a:solidFill>
                 <a:latin typeface="Arial"/>
+                <a:ea typeface="DejaVu Sans"/>
               </a:rPr>
               <a:t>JSX is a statically-typed, object-oriented programming language designed to run on modern web browsers. Being developed at DeNA.</a:t>
             </a:r>
@@ -2961,13 +2563,20 @@
           </a:p>
           <a:p>
             <a:pPr lvl="1" algn="just">
+              <a:lnSpc>
+                <a:spcPct val="100000"/>
+              </a:lnSpc>
               <a:buSzPct val="75000"/>
               <a:buFont typeface="StarSymbol"/>
-              <a:buChar char=""/>
+              <a:buChar char="l"/>
             </a:pPr>
             <a:r>
               <a:rPr lang="en-US" sz="2600">
+                <a:solidFill>
+                  <a:srgbClr val="000000"/>
+                </a:solidFill>
                 <a:latin typeface="Arial"/>
+                <a:ea typeface="DejaVu Sans"/>
               </a:rPr>
               <a:t>Faster: JSX performs optimization while compiling the source code to JavaScript.</a:t>
             </a:r>
@@ -2975,13 +2584,20 @@
           </a:p>
           <a:p>
             <a:pPr lvl="1" algn="just">
+              <a:lnSpc>
+                <a:spcPct val="100000"/>
+              </a:lnSpc>
               <a:buSzPct val="75000"/>
               <a:buFont typeface="StarSymbol"/>
-              <a:buChar char=""/>
+              <a:buChar char="l"/>
             </a:pPr>
             <a:r>
               <a:rPr lang="en-US" sz="2600">
+                <a:solidFill>
+                  <a:srgbClr val="000000"/>
+                </a:solidFill>
                 <a:latin typeface="Arial"/>
+                <a:ea typeface="DejaVu Sans"/>
               </a:rPr>
               <a:t>Safer: In contrast to JavaScript, JSX is statically-typed. Many errors will be caught during the compilation process.</a:t>
             </a:r>
@@ -2989,13 +2605,20 @@
           </a:p>
           <a:p>
             <a:pPr lvl="1" algn="just">
+              <a:lnSpc>
+                <a:spcPct val="100000"/>
+              </a:lnSpc>
               <a:buSzPct val="75000"/>
               <a:buFont typeface="StarSymbol"/>
-              <a:buChar char=""/>
+              <a:buChar char="l"/>
             </a:pPr>
             <a:r>
               <a:rPr lang="en-US" sz="2600">
+                <a:solidFill>
+                  <a:srgbClr val="000000"/>
+                </a:solidFill>
                 <a:latin typeface="Arial"/>
+                <a:ea typeface="DejaVu Sans"/>
               </a:rPr>
               <a:t>Easier: JSX Javascript-based inheritance, so it is easy to let the programmer can use Javascripts</a:t>
             </a:r>
@@ -3005,25 +2628,22 @@
       </p:sp>
     </p:spTree>
   </p:cSld>
-  <p:clrMapOvr>
-    <a:masterClrMapping/>
-  </p:clrMapOvr>
   <p:timing>
     <p:tnLst>
       <p:par>
-        <p:cTn id="1" dur="indefinite" restart="never" nodeType="tmRoot">
+        <p:cTn id="11" dur="indefinite" restart="never" nodeType="tmRoot">
           <p:childTnLst>
             <p:seq>
-              <p:cTn id="2" nodeType="mainSeq"/>
+              <p:cTn id="12" nodeType="mainSeq"/>
               <p:prevCondLst>
-                <p:cond evt="onPrev" delay="0">
+                <p:cond delay="0" evt="onPrev">
                   <p:tgtEl>
                     <p:sldTgt/>
                   </p:tgtEl>
                 </p:cond>
               </p:prevCondLst>
               <p:nextCondLst>
-                <p:cond evt="onNext" delay="0">
+                <p:cond delay="0" evt="onNext">
                   <p:tgtEl>
                     <p:sldTgt/>
                   </p:tgtEl>
@@ -3039,7 +2659,7 @@
 </file>
 
 <file path=ppt/slides/slide7.xml><?xml version="1.0" encoding="utf-8"?>
-<p:sld xmlns:a="http://schemas.openxmlformats.org/drawingml/2006/main" xmlns:r="http://schemas.openxmlformats.org/officeDocument/2006/relationships" xmlns:p="http://schemas.openxmlformats.org/presentationml/2006/main">
+<p:sld xmlns:a="http://schemas.openxmlformats.org/drawingml/2006/main" xmlns:p="http://schemas.openxmlformats.org/presentationml/2006/main" xmlns:r="http://schemas.openxmlformats.org/officeDocument/2006/relationships">
   <p:cSld>
     <p:spTree>
       <p:nvGrpSpPr>
@@ -3057,27 +2677,38 @@
       </p:grpSpPr>
       <p:sp>
         <p:nvSpPr>
-          <p:cNvPr id="53" name="TextShape 1"/>
-          <p:cNvSpPr txBox="1"/>
+          <p:cNvPr id="50" name="CustomShape 1"/>
+          <p:cNvSpPr/>
           <p:nvPr/>
         </p:nvSpPr>
         <p:spPr>
           <a:xfrm>
             <a:off x="504000" y="301320"/>
-            <a:ext cx="9071640" cy="1262160"/>
-          </a:xfrm>
-          <a:prstGeom prst="rect">
-            <a:avLst/>
-          </a:prstGeom>
-        </p:spPr>
-        <p:txBody>
-          <a:bodyPr lIns="0" tIns="0" rIns="0" bIns="0" anchor="ctr"/>
-          <a:lstStyle/>
-          <a:p>
-            <a:pPr algn="ctr"/>
+            <a:ext cx="9071280" cy="1261800"/>
+          </a:xfrm>
+          <a:prstGeom prst="rect">
+            <a:avLst/>
+          </a:prstGeom>
+          <a:noFill/>
+          <a:ln>
+            <a:noFill/>
+          </a:ln>
+        </p:spPr>
+        <p:txBody>
+          <a:bodyPr lIns="0" rIns="0" tIns="0" bIns="0" anchor="ctr"/>
+          <a:p>
+            <a:pPr algn="ctr">
+              <a:lnSpc>
+                <a:spcPct val="100000"/>
+              </a:lnSpc>
+            </a:pPr>
             <a:r>
               <a:rPr lang="en-US" sz="4400">
+                <a:solidFill>
+                  <a:srgbClr val="000000"/>
+                </a:solidFill>
                 <a:latin typeface="Arial"/>
+                <a:ea typeface="DejaVu Sans"/>
               </a:rPr>
               <a:t>Props and State</a:t>
             </a:r>
@@ -3087,31 +2718,41 @@
       </p:sp>
       <p:sp>
         <p:nvSpPr>
-          <p:cNvPr id="54" name="TextShape 2"/>
-          <p:cNvSpPr txBox="1"/>
+          <p:cNvPr id="51" name="CustomShape 2"/>
+          <p:cNvSpPr/>
           <p:nvPr/>
         </p:nvSpPr>
         <p:spPr>
           <a:xfrm>
             <a:off x="504000" y="1769040"/>
-            <a:ext cx="9071640" cy="5271840"/>
-          </a:xfrm>
-          <a:prstGeom prst="rect">
-            <a:avLst/>
-          </a:prstGeom>
-        </p:spPr>
-        <p:txBody>
-          <a:bodyPr lIns="0" tIns="0" rIns="0" bIns="0"/>
-          <a:lstStyle/>
+            <a:ext cx="9071280" cy="5271480"/>
+          </a:xfrm>
+          <a:prstGeom prst="rect">
+            <a:avLst/>
+          </a:prstGeom>
+          <a:noFill/>
+          <a:ln>
+            <a:noFill/>
+          </a:ln>
+        </p:spPr>
+        <p:txBody>
+          <a:bodyPr lIns="0" rIns="0" tIns="0" bIns="0"/>
           <a:p>
             <a:pPr algn="just">
+              <a:lnSpc>
+                <a:spcPct val="100000"/>
+              </a:lnSpc>
               <a:buSzPct val="45000"/>
               <a:buFont typeface="StarSymbol"/>
-              <a:buChar char=""/>
+              <a:buChar char="l"/>
             </a:pPr>
             <a:r>
               <a:rPr lang="en-US" sz="2600">
+                <a:solidFill>
+                  <a:srgbClr val="000000"/>
+                </a:solidFill>
                 <a:latin typeface="Arial"/>
+                <a:ea typeface="DejaVu Sans"/>
               </a:rPr>
               <a:t>Props and states are both plain JS objects; a change within one of them will trigger a render. These objects are deterministic.</a:t>
             </a:r>
@@ -3119,15 +2760,32 @@
           </a:p>
           <a:p>
             <a:pPr lvl="1" algn="just">
+              <a:lnSpc>
+                <a:spcPct val="100000"/>
+              </a:lnSpc>
               <a:buSzPct val="75000"/>
               <a:buFont typeface="StarSymbol"/>
-              <a:buChar char=""/>
+              <a:buChar char="l"/>
             </a:pPr>
             <a:r>
               <a:rPr lang="en-US" sz="2600">
+                <a:solidFill>
+                  <a:srgbClr val="000000"/>
+                </a:solidFill>
                 <a:latin typeface="Arial"/>
+                <a:ea typeface="DejaVu Sans"/>
               </a:rPr>
-              <a:t> Props are best explained as “a way of passing data from parent to child.” In essence, props are just a communication channel between components, always moving from top (parent) to bottom (child)</a:t>
+              <a:t> </a:t>
+            </a:r>
+            <a:r>
+              <a:rPr lang="en-US" sz="2600">
+                <a:solidFill>
+                  <a:srgbClr val="000000"/>
+                </a:solidFill>
+                <a:latin typeface="Arial"/>
+                <a:ea typeface="DejaVu Sans"/>
+              </a:rPr>
+              <a:t>Props are best explained as “a way of passing data from parent to child.” In essence, props are just a communication channel between components, always moving from top (parent) to bottom (child)</a:t>
             </a:r>
             <a:endParaRPr/>
           </a:p>
@@ -3135,25 +2793,22 @@
       </p:sp>
     </p:spTree>
   </p:cSld>
-  <p:clrMapOvr>
-    <a:masterClrMapping/>
-  </p:clrMapOvr>
   <p:timing>
     <p:tnLst>
       <p:par>
-        <p:cTn id="1" dur="indefinite" restart="never" nodeType="tmRoot">
+        <p:cTn id="13" dur="indefinite" restart="never" nodeType="tmRoot">
           <p:childTnLst>
             <p:seq>
-              <p:cTn id="2" nodeType="mainSeq"/>
+              <p:cTn id="14" nodeType="mainSeq"/>
               <p:prevCondLst>
-                <p:cond evt="onPrev" delay="0">
+                <p:cond delay="0" evt="onPrev">
                   <p:tgtEl>
                     <p:sldTgt/>
                   </p:tgtEl>
                 </p:cond>
               </p:prevCondLst>
               <p:nextCondLst>
-                <p:cond evt="onNext" delay="0">
+                <p:cond delay="0" evt="onNext">
                   <p:tgtEl>
                     <p:sldTgt/>
                   </p:tgtEl>
@@ -3169,7 +2824,7 @@
 </file>
 
 <file path=ppt/slides/slide8.xml><?xml version="1.0" encoding="utf-8"?>
-<p:sld xmlns:a="http://schemas.openxmlformats.org/drawingml/2006/main" xmlns:r="http://schemas.openxmlformats.org/officeDocument/2006/relationships" xmlns:p="http://schemas.openxmlformats.org/presentationml/2006/main">
+<p:sld xmlns:a="http://schemas.openxmlformats.org/drawingml/2006/main" xmlns:p="http://schemas.openxmlformats.org/presentationml/2006/main" xmlns:r="http://schemas.openxmlformats.org/officeDocument/2006/relationships">
   <p:cSld>
     <p:spTree>
       <p:nvGrpSpPr>
@@ -3187,119 +2842,125 @@
       </p:grpSpPr>
       <p:sp>
         <p:nvSpPr>
-          <p:cNvPr id="55" name="TextShape 1"/>
-          <p:cNvSpPr txBox="1"/>
+          <p:cNvPr id="52" name="CustomShape 1"/>
+          <p:cNvSpPr/>
           <p:nvPr/>
         </p:nvSpPr>
         <p:spPr>
           <a:xfrm>
             <a:off x="504000" y="301320"/>
-            <a:ext cx="9071640" cy="1262160"/>
-          </a:xfrm>
-          <a:prstGeom prst="rect">
-            <a:avLst/>
-          </a:prstGeom>
-        </p:spPr>
-        <p:txBody>
-          <a:bodyPr lIns="0" tIns="0" rIns="0" bIns="0" anchor="ctr"/>
-          <a:lstStyle/>
-          <a:p>
-            <a:pPr algn="ctr"/>
-            <a:endParaRPr/>
-          </a:p>
-        </p:txBody>
-      </p:sp>
-      <p:sp>
-        <p:nvSpPr>
-          <p:cNvPr id="56" name="TextShape 2"/>
-          <p:cNvSpPr txBox="1"/>
+            <a:ext cx="9071280" cy="1261800"/>
+          </a:xfrm>
+          <a:prstGeom prst="rect">
+            <a:avLst/>
+          </a:prstGeom>
+          <a:noFill/>
+          <a:ln>
+            <a:noFill/>
+          </a:ln>
+        </p:spPr>
+      </p:sp>
+      <p:sp>
+        <p:nvSpPr>
+          <p:cNvPr id="53" name="CustomShape 2"/>
+          <p:cNvSpPr/>
           <p:nvPr/>
         </p:nvSpPr>
         <p:spPr>
           <a:xfrm>
             <a:off x="504000" y="1769040"/>
-            <a:ext cx="9071640" cy="5546160"/>
-          </a:xfrm>
-          <a:prstGeom prst="rect">
-            <a:avLst/>
-          </a:prstGeom>
-        </p:spPr>
-        <p:txBody>
-          <a:bodyPr lIns="0" tIns="0" rIns="0" bIns="0"/>
-          <a:lstStyle/>
+            <a:ext cx="9071280" cy="5545800"/>
+          </a:xfrm>
+          <a:prstGeom prst="rect">
+            <a:avLst/>
+          </a:prstGeom>
+          <a:noFill/>
+          <a:ln>
+            <a:noFill/>
+          </a:ln>
+        </p:spPr>
+        <p:txBody>
+          <a:bodyPr lIns="0" rIns="0" tIns="0" bIns="0"/>
           <a:p>
             <a:pPr>
+              <a:lnSpc>
+                <a:spcPct val="100000"/>
+              </a:lnSpc>
+            </a:pPr>
+            <a:endParaRPr/>
+          </a:p>
+          <a:p>
+            <a:pPr>
+              <a:lnSpc>
+                <a:spcPct val="100000"/>
+              </a:lnSpc>
+            </a:pPr>
+            <a:endParaRPr/>
+          </a:p>
+          <a:p>
+            <a:pPr>
+              <a:lnSpc>
+                <a:spcPct val="100000"/>
+              </a:lnSpc>
+            </a:pPr>
+            <a:endParaRPr/>
+          </a:p>
+          <a:p>
+            <a:pPr>
+              <a:lnSpc>
+                <a:spcPct val="100000"/>
+              </a:lnSpc>
+            </a:pPr>
+            <a:endParaRPr/>
+          </a:p>
+          <a:p>
+            <a:pPr>
+              <a:lnSpc>
+                <a:spcPct val="100000"/>
+              </a:lnSpc>
+            </a:pPr>
+            <a:endParaRPr/>
+          </a:p>
+          <a:p>
+            <a:pPr>
+              <a:lnSpc>
+                <a:spcPct val="100000"/>
+              </a:lnSpc>
+            </a:pPr>
+            <a:endParaRPr/>
+          </a:p>
+          <a:p>
+            <a:pPr>
+              <a:lnSpc>
+                <a:spcPct val="100000"/>
+              </a:lnSpc>
+            </a:pPr>
+            <a:endParaRPr/>
+          </a:p>
+          <a:p>
+            <a:pPr>
+              <a:lnSpc>
+                <a:spcPct val="100000"/>
+              </a:lnSpc>
+            </a:pPr>
+            <a:endParaRPr/>
+          </a:p>
+          <a:p>
+            <a:pPr algn="ctr">
+              <a:lnSpc>
+                <a:spcPct val="100000"/>
+              </a:lnSpc>
               <a:buSzPct val="45000"/>
               <a:buFont typeface="StarSymbol"/>
-              <a:buChar char=""/>
-            </a:pPr>
-            <a:endParaRPr/>
-          </a:p>
-          <a:p>
-            <a:pPr>
-              <a:buSzPct val="45000"/>
-              <a:buFont typeface="StarSymbol"/>
-              <a:buChar char=""/>
-            </a:pPr>
-            <a:endParaRPr/>
-          </a:p>
-          <a:p>
-            <a:pPr>
-              <a:buSzPct val="45000"/>
-              <a:buFont typeface="StarSymbol"/>
-              <a:buChar char=""/>
-            </a:pPr>
-            <a:endParaRPr/>
-          </a:p>
-          <a:p>
-            <a:pPr>
-              <a:buSzPct val="45000"/>
-              <a:buFont typeface="StarSymbol"/>
-              <a:buChar char=""/>
-            </a:pPr>
-            <a:endParaRPr/>
-          </a:p>
-          <a:p>
-            <a:pPr>
-              <a:buSzPct val="45000"/>
-              <a:buFont typeface="StarSymbol"/>
-              <a:buChar char=""/>
-            </a:pPr>
-            <a:endParaRPr/>
-          </a:p>
-          <a:p>
-            <a:pPr>
-              <a:buSzPct val="45000"/>
-              <a:buFont typeface="StarSymbol"/>
-              <a:buChar char=""/>
-            </a:pPr>
-            <a:endParaRPr/>
-          </a:p>
-          <a:p>
-            <a:pPr>
-              <a:buSzPct val="45000"/>
-              <a:buFont typeface="StarSymbol"/>
-              <a:buChar char=""/>
-            </a:pPr>
-            <a:endParaRPr/>
-          </a:p>
-          <a:p>
-            <a:pPr>
-              <a:buSzPct val="45000"/>
-              <a:buFont typeface="StarSymbol"/>
-              <a:buChar char=""/>
-            </a:pPr>
-            <a:endParaRPr/>
-          </a:p>
-          <a:p>
-            <a:pPr algn="ctr">
-              <a:buSzPct val="45000"/>
-              <a:buFont typeface="StarSymbol"/>
-              <a:buChar char=""/>
+              <a:buChar char="l"/>
             </a:pPr>
             <a:r>
               <a:rPr lang="en-US" sz="3200">
+                <a:solidFill>
+                  <a:srgbClr val="000000"/>
+                </a:solidFill>
                 <a:latin typeface="Arial"/>
+                <a:ea typeface="DejaVu Sans"/>
               </a:rPr>
               <a:t>Figure 3: Props.</a:t>
             </a:r>
@@ -3309,7 +2970,32 @@
       </p:sp>
       <p:pic>
         <p:nvPicPr>
-          <p:cNvPr id="57" name="Picture 56"/>
+          <p:cNvPr id="54" name="Picture 56" descr=""/>
+          <p:cNvPicPr/>
+          <p:nvPr/>
+        </p:nvPicPr>
+        <p:blipFill>
+          <a:blip r:embed="rId1"/>
+          <a:stretch>
+            <a:fillRect/>
+          </a:stretch>
+        </p:blipFill>
+        <p:spPr>
+          <a:xfrm>
+            <a:off x="2112120" y="1726200"/>
+            <a:ext cx="5923800" cy="4133160"/>
+          </a:xfrm>
+          <a:prstGeom prst="rect">
+            <a:avLst/>
+          </a:prstGeom>
+          <a:ln>
+            <a:noFill/>
+          </a:ln>
+        </p:spPr>
+      </p:pic>
+      <p:pic>
+        <p:nvPicPr>
+          <p:cNvPr id="55" name="Picture 57" descr=""/>
           <p:cNvPicPr/>
           <p:nvPr/>
         </p:nvPicPr>
@@ -3321,8 +3007,8 @@
         </p:blipFill>
         <p:spPr>
           <a:xfrm>
-            <a:off x="2112120" y="1726200"/>
-            <a:ext cx="5924160" cy="4133520"/>
+            <a:off x="822960" y="1097280"/>
+            <a:ext cx="8412120" cy="5577480"/>
           </a:xfrm>
           <a:prstGeom prst="rect">
             <a:avLst/>
@@ -3332,52 +3018,24 @@
           </a:ln>
         </p:spPr>
       </p:pic>
-      <p:pic>
-        <p:nvPicPr>
-          <p:cNvPr id="58" name="Picture 57"/>
-          <p:cNvPicPr/>
-          <p:nvPr/>
-        </p:nvPicPr>
-        <p:blipFill>
-          <a:blip r:embed="rId2"/>
-          <a:stretch>
-            <a:fillRect/>
-          </a:stretch>
-        </p:blipFill>
-        <p:spPr>
-          <a:xfrm>
-            <a:off x="822960" y="1097280"/>
-            <a:ext cx="8412480" cy="5577840"/>
-          </a:xfrm>
-          <a:prstGeom prst="rect">
-            <a:avLst/>
-          </a:prstGeom>
-          <a:ln>
-            <a:noFill/>
-          </a:ln>
-        </p:spPr>
-      </p:pic>
     </p:spTree>
   </p:cSld>
-  <p:clrMapOvr>
-    <a:masterClrMapping/>
-  </p:clrMapOvr>
   <p:timing>
     <p:tnLst>
       <p:par>
-        <p:cTn id="1" dur="indefinite" restart="never" nodeType="tmRoot">
+        <p:cTn id="15" dur="indefinite" restart="never" nodeType="tmRoot">
           <p:childTnLst>
             <p:seq>
-              <p:cTn id="2" nodeType="mainSeq"/>
+              <p:cTn id="16" nodeType="mainSeq"/>
               <p:prevCondLst>
-                <p:cond evt="onPrev" delay="0">
+                <p:cond delay="0" evt="onPrev">
                   <p:tgtEl>
                     <p:sldTgt/>
                   </p:tgtEl>
                 </p:cond>
               </p:prevCondLst>
               <p:nextCondLst>
-                <p:cond evt="onNext" delay="0">
+                <p:cond delay="0" evt="onNext">
                   <p:tgtEl>
                     <p:sldTgt/>
                   </p:tgtEl>
@@ -3393,7 +3051,7 @@
 </file>
 
 <file path=ppt/slides/slide9.xml><?xml version="1.0" encoding="utf-8"?>
-<p:sld xmlns:a="http://schemas.openxmlformats.org/drawingml/2006/main" xmlns:r="http://schemas.openxmlformats.org/officeDocument/2006/relationships" xmlns:p="http://schemas.openxmlformats.org/presentationml/2006/main">
+<p:sld xmlns:a="http://schemas.openxmlformats.org/drawingml/2006/main" xmlns:p="http://schemas.openxmlformats.org/presentationml/2006/main" xmlns:r="http://schemas.openxmlformats.org/officeDocument/2006/relationships">
   <p:cSld>
     <p:spTree>
       <p:nvGrpSpPr>
@@ -3411,113 +3069,131 @@
       </p:grpSpPr>
       <p:sp>
         <p:nvSpPr>
-          <p:cNvPr id="59" name="TextShape 1"/>
-          <p:cNvSpPr txBox="1"/>
+          <p:cNvPr id="56" name="CustomShape 1"/>
+          <p:cNvSpPr/>
           <p:nvPr/>
         </p:nvSpPr>
         <p:spPr>
           <a:xfrm>
             <a:off x="504000" y="548640"/>
-            <a:ext cx="9071640" cy="6583680"/>
-          </a:xfrm>
-          <a:prstGeom prst="rect">
-            <a:avLst/>
-          </a:prstGeom>
-        </p:spPr>
-        <p:txBody>
-          <a:bodyPr lIns="0" tIns="0" rIns="0" bIns="0"/>
-          <a:lstStyle/>
+            <a:ext cx="9071280" cy="6583320"/>
+          </a:xfrm>
+          <a:prstGeom prst="rect">
+            <a:avLst/>
+          </a:prstGeom>
+          <a:noFill/>
+          <a:ln>
+            <a:noFill/>
+          </a:ln>
+        </p:spPr>
+        <p:txBody>
+          <a:bodyPr lIns="0" rIns="0" tIns="0" bIns="0"/>
           <a:p>
             <a:pPr lvl="1" algn="just">
+              <a:lnSpc>
+                <a:spcPct val="100000"/>
+              </a:lnSpc>
               <a:buSzPct val="75000"/>
               <a:buFont typeface="StarSymbol"/>
-              <a:buChar char=""/>
+              <a:buChar char="l"/>
             </a:pPr>
             <a:r>
               <a:rPr lang="en-US" sz="2600">
+                <a:solidFill>
+                  <a:srgbClr val="000000"/>
+                </a:solidFill>
                 <a:latin typeface="Arial"/>
+                <a:ea typeface="DejaVu Sans"/>
               </a:rPr>
               <a:t>State is another concept introduced by React and behaves a little bit differently from props. State is best described as how a component’s data looks at a given point in time.</a:t>
             </a:r>
             <a:endParaRPr/>
           </a:p>
           <a:p>
-            <a:pPr lvl="1" algn="just">
-              <a:buSzPct val="75000"/>
-              <a:buFont typeface="StarSymbol"/>
-              <a:buChar char=""/>
-            </a:pPr>
-            <a:endParaRPr/>
-          </a:p>
-          <a:p>
-            <a:pPr lvl="1" algn="just">
-              <a:buSzPct val="75000"/>
-              <a:buFont typeface="StarSymbol"/>
-              <a:buChar char=""/>
-            </a:pPr>
-            <a:endParaRPr/>
-          </a:p>
-          <a:p>
-            <a:pPr lvl="1" algn="just">
-              <a:buSzPct val="75000"/>
-              <a:buFont typeface="StarSymbol"/>
-              <a:buChar char=""/>
-            </a:pPr>
-            <a:endParaRPr/>
-          </a:p>
-          <a:p>
-            <a:pPr lvl="1" algn="just">
-              <a:buSzPct val="75000"/>
-              <a:buFont typeface="StarSymbol"/>
-              <a:buChar char=""/>
-            </a:pPr>
-            <a:endParaRPr/>
-          </a:p>
-          <a:p>
-            <a:pPr lvl="1" algn="just">
-              <a:buSzPct val="75000"/>
-              <a:buFont typeface="StarSymbol"/>
-              <a:buChar char=""/>
-            </a:pPr>
-            <a:endParaRPr/>
-          </a:p>
-          <a:p>
-            <a:pPr lvl="1" algn="just">
-              <a:buSzPct val="75000"/>
-              <a:buFont typeface="StarSymbol"/>
-              <a:buChar char=""/>
-            </a:pPr>
-            <a:endParaRPr/>
-          </a:p>
-          <a:p>
-            <a:pPr lvl="1" algn="just">
-              <a:buSzPct val="75000"/>
-              <a:buFont typeface="StarSymbol"/>
-              <a:buChar char=""/>
-            </a:pPr>
-            <a:endParaRPr/>
-          </a:p>
-          <a:p>
-            <a:pPr lvl="1" algn="just">
-              <a:buSzPct val="75000"/>
-              <a:buFont typeface="StarSymbol"/>
-              <a:buChar char=""/>
-            </a:pPr>
-            <a:endParaRPr/>
-          </a:p>
-          <a:p>
-            <a:pPr lvl="1" algn="just">
-              <a:buSzPct val="75000"/>
-              <a:buFont typeface="StarSymbol"/>
-              <a:buChar char=""/>
-            </a:pPr>
-            <a:endParaRPr/>
-          </a:p>
-          <a:p>
-            <a:pPr algn="ctr"/>
+            <a:pPr algn="just">
+              <a:lnSpc>
+                <a:spcPct val="100000"/>
+              </a:lnSpc>
+            </a:pPr>
+            <a:endParaRPr/>
+          </a:p>
+          <a:p>
+            <a:pPr algn="just">
+              <a:lnSpc>
+                <a:spcPct val="100000"/>
+              </a:lnSpc>
+            </a:pPr>
+            <a:endParaRPr/>
+          </a:p>
+          <a:p>
+            <a:pPr algn="just">
+              <a:lnSpc>
+                <a:spcPct val="100000"/>
+              </a:lnSpc>
+            </a:pPr>
+            <a:endParaRPr/>
+          </a:p>
+          <a:p>
+            <a:pPr algn="just">
+              <a:lnSpc>
+                <a:spcPct val="100000"/>
+              </a:lnSpc>
+            </a:pPr>
+            <a:endParaRPr/>
+          </a:p>
+          <a:p>
+            <a:pPr algn="just">
+              <a:lnSpc>
+                <a:spcPct val="100000"/>
+              </a:lnSpc>
+            </a:pPr>
+            <a:endParaRPr/>
+          </a:p>
+          <a:p>
+            <a:pPr algn="just">
+              <a:lnSpc>
+                <a:spcPct val="100000"/>
+              </a:lnSpc>
+            </a:pPr>
+            <a:endParaRPr/>
+          </a:p>
+          <a:p>
+            <a:pPr algn="just">
+              <a:lnSpc>
+                <a:spcPct val="100000"/>
+              </a:lnSpc>
+            </a:pPr>
+            <a:endParaRPr/>
+          </a:p>
+          <a:p>
+            <a:pPr algn="just">
+              <a:lnSpc>
+                <a:spcPct val="100000"/>
+              </a:lnSpc>
+            </a:pPr>
+            <a:endParaRPr/>
+          </a:p>
+          <a:p>
+            <a:pPr algn="just">
+              <a:lnSpc>
+                <a:spcPct val="100000"/>
+              </a:lnSpc>
+            </a:pPr>
+            <a:endParaRPr/>
+          </a:p>
+          <a:p>
+            <a:pPr algn="ctr">
+              <a:lnSpc>
+                <a:spcPct val="100000"/>
+              </a:lnSpc>
+            </a:pPr>
             <a:r>
               <a:rPr lang="en-US" sz="2600">
+                <a:solidFill>
+                  <a:srgbClr val="000000"/>
+                </a:solidFill>
                 <a:latin typeface="Arial"/>
+                <a:ea typeface="DejaVu Sans"/>
               </a:rPr>
               <a:t>Figure 4: State  </a:t>
             </a:r>
@@ -3527,7 +3203,32 @@
       </p:sp>
       <p:pic>
         <p:nvPicPr>
-          <p:cNvPr id="60" name="Picture 59"/>
+          <p:cNvPr id="57" name="Picture 59" descr=""/>
+          <p:cNvPicPr/>
+          <p:nvPr/>
+        </p:nvPicPr>
+        <p:blipFill>
+          <a:blip r:embed="rId1"/>
+          <a:stretch>
+            <a:fillRect/>
+          </a:stretch>
+        </p:blipFill>
+        <p:spPr>
+          <a:xfrm>
+            <a:off x="2707200" y="2513520"/>
+            <a:ext cx="4733280" cy="3666240"/>
+          </a:xfrm>
+          <a:prstGeom prst="rect">
+            <a:avLst/>
+          </a:prstGeom>
+          <a:ln>
+            <a:noFill/>
+          </a:ln>
+        </p:spPr>
+      </p:pic>
+      <p:pic>
+        <p:nvPicPr>
+          <p:cNvPr id="58" name="Picture 60" descr=""/>
           <p:cNvPicPr/>
           <p:nvPr/>
         </p:nvPicPr>
@@ -3539,8 +3240,8 @@
         </p:blipFill>
         <p:spPr>
           <a:xfrm>
-            <a:off x="2707200" y="2513520"/>
-            <a:ext cx="4733640" cy="3666600"/>
+            <a:off x="1886040" y="2286000"/>
+            <a:ext cx="5886000" cy="4297320"/>
           </a:xfrm>
           <a:prstGeom prst="rect">
             <a:avLst/>
@@ -3550,52 +3251,24 @@
           </a:ln>
         </p:spPr>
       </p:pic>
-      <p:pic>
-        <p:nvPicPr>
-          <p:cNvPr id="61" name="Picture 60"/>
-          <p:cNvPicPr/>
-          <p:nvPr/>
-        </p:nvPicPr>
-        <p:blipFill>
-          <a:blip r:embed="rId2"/>
-          <a:stretch>
-            <a:fillRect/>
-          </a:stretch>
-        </p:blipFill>
-        <p:spPr>
-          <a:xfrm>
-            <a:off x="1886040" y="2286000"/>
-            <a:ext cx="5886360" cy="4297680"/>
-          </a:xfrm>
-          <a:prstGeom prst="rect">
-            <a:avLst/>
-          </a:prstGeom>
-          <a:ln>
-            <a:noFill/>
-          </a:ln>
-        </p:spPr>
-      </p:pic>
     </p:spTree>
   </p:cSld>
-  <p:clrMapOvr>
-    <a:masterClrMapping/>
-  </p:clrMapOvr>
   <p:timing>
     <p:tnLst>
       <p:par>
-        <p:cTn id="1" dur="indefinite" restart="never" nodeType="tmRoot">
+        <p:cTn id="17" dur="indefinite" restart="never" nodeType="tmRoot">
           <p:childTnLst>
             <p:seq>
-              <p:cTn id="2" nodeType="mainSeq"/>
+              <p:cTn id="18" nodeType="mainSeq"/>
               <p:prevCondLst>
-                <p:cond evt="onPrev" delay="0">
+                <p:cond delay="0" evt="onPrev">
                   <p:tgtEl>
                     <p:sldTgt/>
                   </p:tgtEl>
                 </p:cond>
               </p:prevCondLst>
               <p:nextCondLst>
-                <p:cond evt="onNext" delay="0">
+                <p:cond delay="0" evt="onNext">
                   <p:tgtEl>
                     <p:sldTgt/>
                   </p:tgtEl>
@@ -3830,7 +3503,5 @@
       </a:bgFillStyleLst>
     </a:fmtScheme>
   </a:themeElements>
-  <a:objectDefaults/>
-  <a:extraClrSchemeLst/>
 </a:theme>
 </file>